--- a/computer-basics-soft-skills/day2/Computer Skills and Soft Skills - Lec-2.pptx
+++ b/computer-basics-soft-skills/day2/Computer Skills and Soft Skills - Lec-2.pptx
@@ -31,10 +31,8 @@
     <p:sldId id="362" r:id="rId25"/>
     <p:sldId id="363" r:id="rId26"/>
     <p:sldId id="364" r:id="rId27"/>
-    <p:sldId id="348" r:id="rId28"/>
-    <p:sldId id="349" r:id="rId29"/>
-    <p:sldId id="351" r:id="rId30"/>
-    <p:sldId id="329" r:id="rId31"/>
+    <p:sldId id="351" r:id="rId28"/>
+    <p:sldId id="329" r:id="rId29"/>
   </p:sldIdLst>
   <p:sldSz cx="12192000" cy="6858000"/>
   <p:notesSz cx="12192000" cy="6858000"/>
@@ -1743,7 +1741,7 @@
           <p:nvPr userDrawn="1">
             <p:extLst>
               <p:ext uri="{1162E1C5-73C7-4A58-AE30-91384D911F3F}">
-                <p184:classification xmlns="" xmlns:p184="http://schemas.microsoft.com/office/powerpoint/2018/4/main" val="ftr"/>
+                <p184:classification xmlns:p184="http://schemas.microsoft.com/office/powerpoint/2018/4/main" xmlns="" val="ftr"/>
               </p:ext>
             </p:extLst>
           </p:nvPr>
@@ -2394,13 +2392,8 @@
           <a:p>
             <a:r>
               <a:rPr lang="en-US" sz="2800" dirty="0"/>
-              <a:t>Module 1: </a:t>
-            </a:r>
-            <a:r>
-              <a:rPr lang="en-US" sz="2800" dirty="0"/>
-              <a:t>Excel Essentials</a:t>
-            </a:r>
-            <a:endParaRPr lang="en-US" sz="2800" dirty="0"/>
+              <a:t>Module 1: Excel Essentials</a:t>
+            </a:r>
           </a:p>
         </p:txBody>
       </p:sp>
@@ -2729,13 +2722,8 @@
           <a:p>
             <a:r>
               <a:rPr lang="en-US" sz="2800" dirty="0"/>
-              <a:t>Module 1: </a:t>
-            </a:r>
-            <a:r>
-              <a:rPr lang="en-US" sz="2800" dirty="0"/>
-              <a:t>Excel Essentials</a:t>
-            </a:r>
-            <a:endParaRPr lang="en-US" sz="2800" dirty="0"/>
+              <a:t>Module 1: Excel Essentials</a:t>
+            </a:r>
           </a:p>
         </p:txBody>
       </p:sp>
@@ -2980,7 +2968,6 @@
               <a:rPr lang="en-US" sz="5400" dirty="0"/>
               <a:t>PowerPoint Fundamentals</a:t>
             </a:r>
-            <a:endParaRPr lang="en-US" sz="5400" dirty="0"/>
           </a:p>
         </p:txBody>
       </p:sp>
@@ -3114,7 +3101,6 @@
               <a:rPr lang="en-US" sz="2800" dirty="0"/>
               <a:t>PowerPoint Fundamentals</a:t>
             </a:r>
-            <a:endParaRPr lang="en-US" sz="2800" dirty="0"/>
           </a:p>
         </p:txBody>
       </p:sp>
@@ -3436,7 +3422,6 @@
               <a:rPr lang="en-US" sz="2800" dirty="0"/>
               <a:t>PowerPoint Fundamentals</a:t>
             </a:r>
-            <a:endParaRPr lang="en-US" sz="2800" dirty="0"/>
           </a:p>
         </p:txBody>
       </p:sp>
@@ -3746,7 +3731,6 @@
               <a:rPr lang="en-US" sz="2800" dirty="0"/>
               <a:t>PowerPoint Fundamentals</a:t>
             </a:r>
-            <a:endParaRPr lang="en-US" sz="2800" dirty="0"/>
           </a:p>
         </p:txBody>
       </p:sp>
@@ -3971,10 +3955,6 @@
             <a:r>
               <a:rPr lang="en-US" sz="5400" dirty="0"/>
               <a:t>Word for Professionals</a:t>
-            </a:r>
-            <a:r>
-              <a:rPr lang="en-US" sz="5400" dirty="0"/>
-              <a:t/>
             </a:r>
             <a:br>
               <a:rPr lang="en-US" sz="5400" dirty="0"/>
@@ -4113,7 +4093,6 @@
               <a:rPr lang="en-US" sz="2800" dirty="0"/>
               <a:t>Word for Professionals</a:t>
             </a:r>
-            <a:endParaRPr lang="en-US" sz="2800" dirty="0"/>
           </a:p>
         </p:txBody>
       </p:sp>
@@ -4451,7 +4430,6 @@
               <a:rPr lang="en-US" sz="2800" dirty="0"/>
               <a:t>Word for Professionals</a:t>
             </a:r>
-            <a:endParaRPr lang="en-US" sz="2800" dirty="0"/>
           </a:p>
         </p:txBody>
       </p:sp>
@@ -4713,7 +4691,6 @@
               <a:rPr lang="en-US" sz="2800" dirty="0"/>
               <a:t>Word for Professionals</a:t>
             </a:r>
-            <a:endParaRPr lang="en-US" sz="2800" dirty="0"/>
           </a:p>
         </p:txBody>
       </p:sp>
@@ -5463,7 +5440,6 @@
               <a:rPr lang="en-US" sz="2800" dirty="0"/>
               <a:t>Word for Professionals</a:t>
             </a:r>
-            <a:endParaRPr lang="en-US" sz="2800" dirty="0"/>
           </a:p>
         </p:txBody>
       </p:sp>
@@ -5796,17 +5772,12 @@
             </a:r>
             <a:r>
               <a:rPr lang="en-US" sz="2800" dirty="0" smtClean="0"/>
-              <a:t>3</a:t>
-            </a:r>
-            <a:r>
-              <a:rPr lang="en-US" sz="2800" dirty="0" smtClean="0"/>
-              <a:t>: </a:t>
+              <a:t>3: </a:t>
             </a:r>
             <a:r>
               <a:rPr lang="en-US" sz="2800" dirty="0"/>
               <a:t>Word for Professionals</a:t>
             </a:r>
-            <a:endParaRPr lang="en-US" sz="2800" dirty="0"/>
           </a:p>
         </p:txBody>
       </p:sp>
@@ -6030,10 +6001,6 @@
             <a:r>
               <a:rPr lang="en-US" sz="5400" dirty="0"/>
               <a:t>Time Management &amp; Productivity</a:t>
-            </a:r>
-            <a:r>
-              <a:rPr lang="en-US" sz="5400" dirty="0"/>
-              <a:t/>
             </a:r>
             <a:br>
               <a:rPr lang="en-US" sz="5400" dirty="0"/>
@@ -6170,13 +6137,8 @@
             </a:r>
             <a:r>
               <a:rPr lang="en-US" sz="2400" dirty="0"/>
-              <a:t>: </a:t>
-            </a:r>
-            <a:r>
-              <a:rPr lang="en-US" sz="2400" dirty="0"/>
-              <a:t>Time Management &amp; Productivity</a:t>
-            </a:r>
-            <a:endParaRPr lang="en-US" sz="2400" dirty="0"/>
+              <a:t>: Time Management &amp; Productivity</a:t>
+            </a:r>
           </a:p>
         </p:txBody>
       </p:sp>
@@ -6463,13 +6425,8 @@
             </a:r>
             <a:r>
               <a:rPr lang="en-US" sz="2400" dirty="0"/>
-              <a:t>: </a:t>
-            </a:r>
-            <a:r>
-              <a:rPr lang="en-US" sz="2400" dirty="0"/>
-              <a:t>Time Management &amp; Productivity</a:t>
-            </a:r>
-            <a:endParaRPr lang="en-US" sz="2400" dirty="0"/>
+              <a:t>: Time Management &amp; Productivity</a:t>
+            </a:r>
           </a:p>
         </p:txBody>
       </p:sp>
@@ -6825,13 +6782,8 @@
             </a:r>
             <a:r>
               <a:rPr lang="en-US" sz="2400" dirty="0"/>
-              <a:t>: </a:t>
-            </a:r>
-            <a:r>
-              <a:rPr lang="en-US" sz="2400" dirty="0"/>
-              <a:t>Time Management &amp; Productivity</a:t>
-            </a:r>
-            <a:endParaRPr lang="en-US" sz="2400" dirty="0"/>
+              <a:t>: Time Management &amp; Productivity</a:t>
+            </a:r>
           </a:p>
         </p:txBody>
       </p:sp>
@@ -7273,13 +7225,8 @@
           <a:p>
             <a:r>
               <a:rPr lang="en-US" sz="2400" dirty="0"/>
-              <a:t>Module </a:t>
-            </a:r>
-            <a:r>
-              <a:rPr lang="en-US" sz="2400" dirty="0"/>
-              <a:t>4: Time Management &amp; Productivity</a:t>
-            </a:r>
-            <a:endParaRPr lang="en-US" sz="2400" dirty="0"/>
+              <a:t>Module 4: Time Management &amp; Productivity</a:t>
+            </a:r>
           </a:p>
         </p:txBody>
       </p:sp>
@@ -7473,521 +7420,6 @@
         </p:nvSpPr>
         <p:spPr>
           <a:xfrm>
-            <a:off x="2133600" y="2133600"/>
-            <a:ext cx="7467600" cy="2739929"/>
-          </a:xfrm>
-          <a:prstGeom prst="rect">
-            <a:avLst/>
-          </a:prstGeom>
-        </p:spPr>
-        <p:txBody>
-          <a:bodyPr vert="horz" wrap="square" lIns="0" tIns="244551" rIns="0" bIns="0" rtlCol="0" anchor="ctr">
-            <a:spAutoFit/>
-          </a:bodyPr>
-          <a:lstStyle/>
-          <a:p>
-            <a:pPr algn="ctr"/>
-            <a:r>
-              <a:rPr lang="en-US" sz="5400" dirty="0" smtClean="0"/>
-              <a:t>Module 5: </a:t>
-            </a:r>
-            <a:r>
-              <a:rPr lang="en-US" sz="5400" dirty="0"/>
-              <a:t/>
-            </a:r>
-            <a:br>
-              <a:rPr lang="en-US" sz="5400" dirty="0"/>
-            </a:br>
-            <a:r>
-              <a:rPr lang="en-US" sz="5400" dirty="0" smtClean="0"/>
-              <a:t>Professional </a:t>
-            </a:r>
-            <a:r>
-              <a:rPr lang="en-US" sz="5400" dirty="0"/>
-              <a:t>Ethics</a:t>
-            </a:r>
-            <a:br>
-              <a:rPr lang="en-US" sz="5400" dirty="0"/>
-            </a:br>
-            <a:endParaRPr lang="en-US" sz="5400" dirty="0"/>
-          </a:p>
-        </p:txBody>
-      </p:sp>
-      <p:sp>
-        <p:nvSpPr>
-          <p:cNvPr id="5" name="object 5"/>
-          <p:cNvSpPr txBox="1">
-            <a:spLocks noGrp="1"/>
-          </p:cNvSpPr>
-          <p:nvPr>
-            <p:ph type="sldNum" sz="quarter" idx="7"/>
-          </p:nvPr>
-        </p:nvSpPr>
-        <p:spPr>
-          <a:prstGeom prst="rect">
-            <a:avLst/>
-          </a:prstGeom>
-        </p:spPr>
-        <p:txBody>
-          <a:bodyPr vert="horz" wrap="square" lIns="0" tIns="0" rIns="0" bIns="0" rtlCol="0">
-            <a:spAutoFit/>
-          </a:bodyPr>
-          <a:lstStyle/>
-          <a:p>
-            <a:pPr marL="38100">
-              <a:lnSpc>
-                <a:spcPts val="1310"/>
-              </a:lnSpc>
-            </a:pPr>
-            <a:fld id="{81D60167-4931-47E6-BA6A-407CBD079E47}" type="slidenum">
-              <a:rPr spc="-25" dirty="0"/>
-              <a:t>27</a:t>
-            </a:fld>
-            <a:endParaRPr spc="-25" dirty="0"/>
-          </a:p>
-        </p:txBody>
-      </p:sp>
-    </p:spTree>
-    <p:extLst>
-      <p:ext uri="{BB962C8B-B14F-4D97-AF65-F5344CB8AC3E}">
-        <p14:creationId xmlns:p14="http://schemas.microsoft.com/office/powerpoint/2010/main" val="2930165282"/>
-      </p:ext>
-    </p:extLst>
-  </p:cSld>
-  <p:clrMapOvr>
-    <a:masterClrMapping/>
-  </p:clrMapOvr>
-</p:sld>
-</file>
-
-<file path=ppt/slides/slide28.xml><?xml version="1.0" encoding="utf-8"?>
-<p:sld xmlns:a="http://schemas.openxmlformats.org/drawingml/2006/main" xmlns:r="http://schemas.openxmlformats.org/officeDocument/2006/relationships" xmlns:p="http://schemas.openxmlformats.org/presentationml/2006/main">
-  <p:cSld>
-    <p:spTree>
-      <p:nvGrpSpPr>
-        <p:cNvPr id="1" name=""/>
-        <p:cNvGrpSpPr/>
-        <p:nvPr/>
-      </p:nvGrpSpPr>
-      <p:grpSpPr>
-        <a:xfrm>
-          <a:off x="0" y="0"/>
-          <a:ext cx="0" cy="0"/>
-          <a:chOff x="0" y="0"/>
-          <a:chExt cx="0" cy="0"/>
-        </a:xfrm>
-      </p:grpSpPr>
-      <p:pic>
-        <p:nvPicPr>
-          <p:cNvPr id="2" name="object 2"/>
-          <p:cNvPicPr/>
-          <p:nvPr/>
-        </p:nvPicPr>
-        <p:blipFill>
-          <a:blip r:embed="rId2" cstate="print"/>
-          <a:stretch>
-            <a:fillRect/>
-          </a:stretch>
-        </p:blipFill>
-        <p:spPr>
-          <a:xfrm>
-            <a:off x="758235" y="239637"/>
-            <a:ext cx="464730" cy="514995"/>
-          </a:xfrm>
-          <a:prstGeom prst="rect">
-            <a:avLst/>
-          </a:prstGeom>
-        </p:spPr>
-      </p:pic>
-      <p:sp>
-        <p:nvSpPr>
-          <p:cNvPr id="3" name="object 3"/>
-          <p:cNvSpPr txBox="1">
-            <a:spLocks noGrp="1"/>
-          </p:cNvSpPr>
-          <p:nvPr>
-            <p:ph type="title"/>
-          </p:nvPr>
-        </p:nvSpPr>
-        <p:spPr>
-          <a:xfrm>
-            <a:off x="1447800" y="76806"/>
-            <a:ext cx="6781800" cy="677826"/>
-          </a:xfrm>
-          <a:prstGeom prst="rect">
-            <a:avLst/>
-          </a:prstGeom>
-        </p:spPr>
-        <p:txBody>
-          <a:bodyPr vert="horz" wrap="square" lIns="0" tIns="244551" rIns="0" bIns="0" rtlCol="0">
-            <a:spAutoFit/>
-          </a:bodyPr>
-          <a:lstStyle/>
-          <a:p>
-            <a:r>
-              <a:rPr lang="en-US" sz="2800" dirty="0"/>
-              <a:t>Module </a:t>
-            </a:r>
-            <a:r>
-              <a:rPr lang="en-US" sz="2800" dirty="0" smtClean="0"/>
-              <a:t>5</a:t>
-            </a:r>
-            <a:r>
-              <a:rPr lang="en-US" sz="2800" dirty="0"/>
-              <a:t>: Professional Ethics</a:t>
-            </a:r>
-          </a:p>
-        </p:txBody>
-      </p:sp>
-      <p:sp>
-        <p:nvSpPr>
-          <p:cNvPr id="5" name="object 5"/>
-          <p:cNvSpPr txBox="1">
-            <a:spLocks noGrp="1"/>
-          </p:cNvSpPr>
-          <p:nvPr>
-            <p:ph type="sldNum" sz="quarter" idx="7"/>
-          </p:nvPr>
-        </p:nvSpPr>
-        <p:spPr>
-          <a:prstGeom prst="rect">
-            <a:avLst/>
-          </a:prstGeom>
-        </p:spPr>
-        <p:txBody>
-          <a:bodyPr vert="horz" wrap="square" lIns="0" tIns="0" rIns="0" bIns="0" rtlCol="0">
-            <a:spAutoFit/>
-          </a:bodyPr>
-          <a:lstStyle/>
-          <a:p>
-            <a:pPr marL="38100">
-              <a:lnSpc>
-                <a:spcPts val="1310"/>
-              </a:lnSpc>
-            </a:pPr>
-            <a:fld id="{81D60167-4931-47E6-BA6A-407CBD079E47}" type="slidenum">
-              <a:rPr spc="-25" dirty="0"/>
-              <a:t>28</a:t>
-            </a:fld>
-            <a:endParaRPr spc="-25" dirty="0"/>
-          </a:p>
-        </p:txBody>
-      </p:sp>
-      <p:sp>
-        <p:nvSpPr>
-          <p:cNvPr id="6" name="TextBox 5"/>
-          <p:cNvSpPr txBox="1"/>
-          <p:nvPr/>
-        </p:nvSpPr>
-        <p:spPr>
-          <a:xfrm>
-            <a:off x="990600" y="1447800"/>
-            <a:ext cx="3352200" cy="369332"/>
-          </a:xfrm>
-          <a:prstGeom prst="rect">
-            <a:avLst/>
-          </a:prstGeom>
-          <a:noFill/>
-        </p:spPr>
-        <p:txBody>
-          <a:bodyPr wrap="none" rtlCol="1">
-            <a:spAutoFit/>
-          </a:bodyPr>
-          <a:lstStyle/>
-          <a:p>
-            <a:r>
-              <a:rPr lang="en-US" b="1" dirty="0" smtClean="0">
-                <a:solidFill>
-                  <a:srgbClr val="C00000"/>
-                </a:solidFill>
-              </a:rPr>
-              <a:t>What is Professional Ethics?</a:t>
-            </a:r>
-            <a:endParaRPr lang="en-US" b="1" dirty="0">
-              <a:solidFill>
-                <a:srgbClr val="C00000"/>
-              </a:solidFill>
-            </a:endParaRPr>
-          </a:p>
-        </p:txBody>
-      </p:sp>
-      <p:sp>
-        <p:nvSpPr>
-          <p:cNvPr id="11" name="Rectangle 5"/>
-          <p:cNvSpPr>
-            <a:spLocks noChangeArrowheads="1"/>
-          </p:cNvSpPr>
-          <p:nvPr/>
-        </p:nvSpPr>
-        <p:spPr bwMode="auto">
-          <a:xfrm>
-            <a:off x="1181100" y="1858089"/>
-            <a:ext cx="7315200" cy="2092881"/>
-          </a:xfrm>
-          <a:prstGeom prst="rect">
-            <a:avLst/>
-          </a:prstGeom>
-          <a:noFill/>
-          <a:ln>
-            <a:noFill/>
-          </a:ln>
-          <a:effectLst/>
-          <a:extLst>
-            <a:ext uri="{909E8E84-426E-40DD-AFC4-6F175D3DCCD1}">
-              <a14:hiddenFill xmlns:a14="http://schemas.microsoft.com/office/drawing/2010/main">
-                <a:solidFill>
-                  <a:schemeClr val="accent1"/>
-                </a:solidFill>
-              </a14:hiddenFill>
-            </a:ext>
-            <a:ext uri="{91240B29-F687-4F45-9708-019B960494DF}">
-              <a14:hiddenLine xmlns:a14="http://schemas.microsoft.com/office/drawing/2010/main" w="9525">
-                <a:solidFill>
-                  <a:schemeClr val="tx1"/>
-                </a:solidFill>
-                <a:miter lim="800000"/>
-                <a:headEnd/>
-                <a:tailEnd/>
-              </a14:hiddenLine>
-            </a:ext>
-            <a:ext uri="{AF507438-7753-43E0-B8FC-AC1667EBCBE1}">
-              <a14:hiddenEffects xmlns:a14="http://schemas.microsoft.com/office/drawing/2010/main">
-                <a:effectLst>
-                  <a:outerShdw dist="35921" dir="2700000" algn="ctr" rotWithShape="0">
-                    <a:schemeClr val="bg2"/>
-                  </a:outerShdw>
-                </a:effectLst>
-              </a14:hiddenEffects>
-            </a:ext>
-          </a:extLst>
-        </p:spPr>
-        <p:txBody>
-          <a:bodyPr vert="horz" wrap="square" lIns="91440" tIns="45720" rIns="91440" bIns="45720" numCol="1" anchor="ctr" anchorCtr="0" compatLnSpc="1">
-            <a:prstTxWarp prst="textNoShape">
-              <a:avLst/>
-            </a:prstTxWarp>
-            <a:spAutoFit/>
-          </a:bodyPr>
-          <a:lstStyle/>
-          <a:p>
-            <a:pPr marL="0" marR="0" lvl="0" indent="0" algn="l" defTabSz="914400" rtl="0" eaLnBrk="0" fontAlgn="base" latinLnBrk="0" hangingPunct="0">
-              <a:lnSpc>
-                <a:spcPct val="100000"/>
-              </a:lnSpc>
-              <a:spcBef>
-                <a:spcPct val="0"/>
-              </a:spcBef>
-              <a:spcAft>
-                <a:spcPct val="0"/>
-              </a:spcAft>
-              <a:buClrTx/>
-              <a:buSzTx/>
-              <a:buFontTx/>
-              <a:buNone/>
-              <a:tabLst/>
-            </a:pPr>
-            <a:endParaRPr kumimoji="0" lang="ar-EG" altLang="ar-EG" sz="1800" b="0" i="0" u="none" strike="noStrike" cap="none" normalizeH="0" baseline="0" dirty="0" smtClean="0">
-              <a:ln>
-                <a:noFill/>
-              </a:ln>
-              <a:solidFill>
-                <a:schemeClr val="tx1"/>
-              </a:solidFill>
-              <a:effectLst/>
-              <a:latin typeface="Arial" panose="020B0604020202020204" pitchFamily="34" charset="0"/>
-            </a:endParaRPr>
-          </a:p>
-          <a:p>
-            <a:r>
-              <a:rPr lang="en-US" sz="1600" b="1" dirty="0" smtClean="0"/>
-              <a:t>Ethics are the moral principles that guide your behavior at work.</a:t>
-            </a:r>
-          </a:p>
-          <a:p>
-            <a:endParaRPr lang="en-US" sz="1600" b="1" dirty="0" smtClean="0"/>
-          </a:p>
-          <a:p>
-            <a:pPr marL="285750" indent="-285750">
-              <a:buFont typeface="Wingdings" panose="05000000000000000000" pitchFamily="2" charset="2"/>
-              <a:buChar char="q"/>
-            </a:pPr>
-            <a:r>
-              <a:rPr lang="en-US" sz="1600" b="1" dirty="0" smtClean="0"/>
-              <a:t>Integrity: </a:t>
-            </a:r>
-            <a:r>
-              <a:rPr lang="en-US" sz="1600" dirty="0" smtClean="0"/>
-              <a:t>Doing the right thing, even when no one is watching. This means being honest in your work, your timesheets, and your communications.</a:t>
-            </a:r>
-          </a:p>
-          <a:p>
-            <a:pPr marL="285750" indent="-285750">
-              <a:buFont typeface="Wingdings" panose="05000000000000000000" pitchFamily="2" charset="2"/>
-              <a:buChar char="q"/>
-            </a:pPr>
-            <a:endParaRPr lang="en-US" sz="1600" dirty="0" smtClean="0"/>
-          </a:p>
-          <a:p>
-            <a:pPr marL="285750" indent="-285750">
-              <a:buFont typeface="Wingdings" panose="05000000000000000000" pitchFamily="2" charset="2"/>
-              <a:buChar char="q"/>
-            </a:pPr>
-            <a:r>
-              <a:rPr lang="en-US" sz="1600" b="1" dirty="0" smtClean="0"/>
-              <a:t>Confidentiality: </a:t>
-            </a:r>
-            <a:r>
-              <a:rPr lang="en-US" sz="1600" dirty="0" smtClean="0"/>
-              <a:t>This is critical. You will have access to information that is not public.</a:t>
-            </a:r>
-          </a:p>
-        </p:txBody>
-      </p:sp>
-      <p:sp>
-        <p:nvSpPr>
-          <p:cNvPr id="7" name="Rectangle 5"/>
-          <p:cNvSpPr>
-            <a:spLocks noChangeArrowheads="1"/>
-          </p:cNvSpPr>
-          <p:nvPr/>
-        </p:nvSpPr>
-        <p:spPr bwMode="auto">
-          <a:xfrm>
-            <a:off x="1600200" y="3991927"/>
-            <a:ext cx="7315200" cy="1323439"/>
-          </a:xfrm>
-          <a:prstGeom prst="rect">
-            <a:avLst/>
-          </a:prstGeom>
-          <a:noFill/>
-          <a:ln>
-            <a:noFill/>
-          </a:ln>
-          <a:effectLst/>
-          <a:extLst>
-            <a:ext uri="{909E8E84-426E-40DD-AFC4-6F175D3DCCD1}">
-              <a14:hiddenFill xmlns:a14="http://schemas.microsoft.com/office/drawing/2010/main">
-                <a:solidFill>
-                  <a:schemeClr val="accent1"/>
-                </a:solidFill>
-              </a14:hiddenFill>
-            </a:ext>
-            <a:ext uri="{91240B29-F687-4F45-9708-019B960494DF}">
-              <a14:hiddenLine xmlns:a14="http://schemas.microsoft.com/office/drawing/2010/main" w="9525">
-                <a:solidFill>
-                  <a:schemeClr val="tx1"/>
-                </a:solidFill>
-                <a:miter lim="800000"/>
-                <a:headEnd/>
-                <a:tailEnd/>
-              </a14:hiddenLine>
-            </a:ext>
-            <a:ext uri="{AF507438-7753-43E0-B8FC-AC1667EBCBE1}">
-              <a14:hiddenEffects xmlns:a14="http://schemas.microsoft.com/office/drawing/2010/main">
-                <a:effectLst>
-                  <a:outerShdw dist="35921" dir="2700000" algn="ctr" rotWithShape="0">
-                    <a:schemeClr val="bg2"/>
-                  </a:outerShdw>
-                </a:effectLst>
-              </a14:hiddenEffects>
-            </a:ext>
-          </a:extLst>
-        </p:spPr>
-        <p:txBody>
-          <a:bodyPr vert="horz" wrap="square" lIns="91440" tIns="45720" rIns="91440" bIns="45720" numCol="1" anchor="ctr" anchorCtr="0" compatLnSpc="1">
-            <a:prstTxWarp prst="textNoShape">
-              <a:avLst/>
-            </a:prstTxWarp>
-            <a:spAutoFit/>
-          </a:bodyPr>
-          <a:lstStyle/>
-          <a:p>
-            <a:pPr marL="285750" lvl="8" indent="-285750">
-              <a:buFont typeface="Wingdings" panose="05000000000000000000" pitchFamily="2" charset="2"/>
-              <a:buChar char="Ø"/>
-            </a:pPr>
-            <a:r>
-              <a:rPr lang="en-US" sz="1600" b="1" dirty="0" smtClean="0"/>
-              <a:t>Do Not Share: </a:t>
-            </a:r>
-            <a:r>
-              <a:rPr lang="en-US" sz="1600" dirty="0" smtClean="0"/>
-              <a:t>Client lists, financial data, product plans, or personal employee information (like salaries).</a:t>
-            </a:r>
-          </a:p>
-          <a:p>
-            <a:pPr marL="285750" lvl="8" indent="-285750">
-              <a:buFont typeface="Wingdings" panose="05000000000000000000" pitchFamily="2" charset="2"/>
-              <a:buChar char="Ø"/>
-            </a:pPr>
-            <a:endParaRPr lang="en-US" sz="1600" dirty="0" smtClean="0"/>
-          </a:p>
-          <a:p>
-            <a:pPr marL="285750" lvl="8" indent="-285750">
-              <a:buFont typeface="Wingdings" panose="05000000000000000000" pitchFamily="2" charset="2"/>
-              <a:buChar char="Ø"/>
-            </a:pPr>
-            <a:r>
-              <a:rPr lang="en-US" sz="1600" b="1" dirty="0" smtClean="0"/>
-              <a:t>Action: </a:t>
-            </a:r>
-            <a:r>
-              <a:rPr lang="en-US" sz="1600" dirty="0" smtClean="0"/>
-              <a:t>If you see a document marked "Confidential" left on a printer, secure it and return it to the owner or report it to your manager.</a:t>
-            </a:r>
-            <a:endParaRPr lang="en-US" sz="1600" dirty="0"/>
-          </a:p>
-        </p:txBody>
-      </p:sp>
-    </p:spTree>
-    <p:extLst>
-      <p:ext uri="{BB962C8B-B14F-4D97-AF65-F5344CB8AC3E}">
-        <p14:creationId xmlns:p14="http://schemas.microsoft.com/office/powerpoint/2010/main" val="431385943"/>
-      </p:ext>
-    </p:extLst>
-  </p:cSld>
-  <p:clrMapOvr>
-    <a:masterClrMapping/>
-  </p:clrMapOvr>
-  <p:timing>
-    <p:tnLst>
-      <p:par>
-        <p:cTn id="1" dur="indefinite" restart="never" nodeType="tmRoot"/>
-      </p:par>
-    </p:tnLst>
-  </p:timing>
-</p:sld>
-</file>
-
-<file path=ppt/slides/slide29.xml><?xml version="1.0" encoding="utf-8"?>
-<p:sld xmlns:a="http://schemas.openxmlformats.org/drawingml/2006/main" xmlns:r="http://schemas.openxmlformats.org/officeDocument/2006/relationships" xmlns:p="http://schemas.openxmlformats.org/presentationml/2006/main">
-  <p:cSld>
-    <p:spTree>
-      <p:nvGrpSpPr>
-        <p:cNvPr id="1" name=""/>
-        <p:cNvGrpSpPr/>
-        <p:nvPr/>
-      </p:nvGrpSpPr>
-      <p:grpSpPr>
-        <a:xfrm>
-          <a:off x="0" y="0"/>
-          <a:ext cx="0" cy="0"/>
-          <a:chOff x="0" y="0"/>
-          <a:chExt cx="0" cy="0"/>
-        </a:xfrm>
-      </p:grpSpPr>
-      <p:sp>
-        <p:nvSpPr>
-          <p:cNvPr id="2" name="object 2"/>
-          <p:cNvSpPr txBox="1">
-            <a:spLocks noGrp="1"/>
-          </p:cNvSpPr>
-          <p:nvPr>
-            <p:ph type="title"/>
-          </p:nvPr>
-        </p:nvSpPr>
-        <p:spPr>
-          <a:xfrm>
             <a:off x="152400" y="8792"/>
             <a:ext cx="6781800" cy="677826"/>
           </a:xfrm>
@@ -8117,23 +7549,7 @@
                 <a:cs typeface="Arial MT"/>
                 <a:hlinkClick r:id="rId2"/>
               </a:rPr>
-              <a:t>https://</a:t>
-            </a:r>
-            <a:r>
-              <a:rPr lang="en-US" sz="2000" u="sng" spc="-10" dirty="0" smtClean="0">
-                <a:solidFill>
-                  <a:srgbClr val="0462C1"/>
-                </a:solidFill>
-                <a:uFill>
-                  <a:solidFill>
-                    <a:srgbClr val="0462C1"/>
-                  </a:solidFill>
-                </a:uFill>
-                <a:latin typeface="Arial MT"/>
-                <a:cs typeface="Arial MT"/>
-                <a:hlinkClick r:id="rId2"/>
-              </a:rPr>
-              <a:t>afathelbab.github.io/cnpc/computer-basics-soft-skills/day2/quiz.html</a:t>
+              <a:t>https://afathelbab.github.io/cnpc/computer-basics-soft-skills/day2/quiz.html</a:t>
             </a:r>
             <a:endParaRPr sz="2000" dirty="0">
               <a:latin typeface="Arial MT"/>
@@ -8170,7 +7586,7 @@
             </a:pPr>
             <a:fld id="{81D60167-4931-47E6-BA6A-407CBD079E47}" type="slidenum">
               <a:rPr spc="-25" dirty="0"/>
-              <a:t>29</a:t>
+              <a:t>27</a:t>
             </a:fld>
             <a:endParaRPr spc="-25" dirty="0"/>
           </a:p>
@@ -8285,760 +7701,7 @@
 </p:sld>
 </file>
 
-<file path=ppt/slides/slide3.xml><?xml version="1.0" encoding="utf-8"?>
-<p:sld xmlns:a="http://schemas.openxmlformats.org/drawingml/2006/main" xmlns:r="http://schemas.openxmlformats.org/officeDocument/2006/relationships" xmlns:p="http://schemas.openxmlformats.org/presentationml/2006/main">
-  <p:cSld>
-    <p:spTree>
-      <p:nvGrpSpPr>
-        <p:cNvPr id="1" name=""/>
-        <p:cNvGrpSpPr/>
-        <p:nvPr/>
-      </p:nvGrpSpPr>
-      <p:grpSpPr>
-        <a:xfrm>
-          <a:off x="0" y="0"/>
-          <a:ext cx="0" cy="0"/>
-          <a:chOff x="0" y="0"/>
-          <a:chExt cx="0" cy="0"/>
-        </a:xfrm>
-      </p:grpSpPr>
-      <p:sp>
-        <p:nvSpPr>
-          <p:cNvPr id="2" name="object 2"/>
-          <p:cNvSpPr txBox="1">
-            <a:spLocks noGrp="1"/>
-          </p:cNvSpPr>
-          <p:nvPr>
-            <p:ph type="title"/>
-          </p:nvPr>
-        </p:nvSpPr>
-        <p:spPr>
-          <a:prstGeom prst="rect">
-            <a:avLst/>
-          </a:prstGeom>
-        </p:spPr>
-        <p:txBody>
-          <a:bodyPr vert="horz" wrap="square" lIns="0" tIns="204088" rIns="0" bIns="0" rtlCol="0">
-            <a:spAutoFit/>
-          </a:bodyPr>
-          <a:lstStyle/>
-          <a:p>
-            <a:pPr marL="175895">
-              <a:lnSpc>
-                <a:spcPct val="100000"/>
-              </a:lnSpc>
-              <a:spcBef>
-                <a:spcPts val="95"/>
-              </a:spcBef>
-            </a:pPr>
-            <a:r>
-              <a:rPr sz="2800" spc="-10" dirty="0"/>
-              <a:t>Training</a:t>
-            </a:r>
-            <a:r>
-              <a:rPr sz="2800" spc="-180" dirty="0"/>
-              <a:t> </a:t>
-            </a:r>
-            <a:r>
-              <a:rPr sz="2800" spc="-10" dirty="0"/>
-              <a:t>Objectives</a:t>
-            </a:r>
-            <a:endParaRPr sz="2800"/>
-          </a:p>
-        </p:txBody>
-      </p:sp>
-      <p:sp>
-        <p:nvSpPr>
-          <p:cNvPr id="3" name="object 3"/>
-          <p:cNvSpPr txBox="1"/>
-          <p:nvPr/>
-        </p:nvSpPr>
-        <p:spPr>
-          <a:xfrm>
-            <a:off x="402742" y="1102308"/>
-            <a:ext cx="5986145" cy="331470"/>
-          </a:xfrm>
-          <a:prstGeom prst="rect">
-            <a:avLst/>
-          </a:prstGeom>
-        </p:spPr>
-        <p:txBody>
-          <a:bodyPr vert="horz" wrap="square" lIns="0" tIns="13335" rIns="0" bIns="0" rtlCol="0">
-            <a:spAutoFit/>
-          </a:bodyPr>
-          <a:lstStyle/>
-          <a:p>
-            <a:pPr marL="12700">
-              <a:lnSpc>
-                <a:spcPct val="100000"/>
-              </a:lnSpc>
-              <a:spcBef>
-                <a:spcPts val="105"/>
-              </a:spcBef>
-            </a:pPr>
-            <a:r>
-              <a:rPr sz="2000" b="1" dirty="0">
-                <a:solidFill>
-                  <a:srgbClr val="C00000"/>
-                </a:solidFill>
-                <a:latin typeface="Arial"/>
-                <a:cs typeface="Arial"/>
-              </a:rPr>
-              <a:t>After</a:t>
-            </a:r>
-            <a:r>
-              <a:rPr sz="2000" b="1" spc="-55" dirty="0">
-                <a:solidFill>
-                  <a:srgbClr val="C00000"/>
-                </a:solidFill>
-                <a:latin typeface="Arial"/>
-                <a:cs typeface="Arial"/>
-              </a:rPr>
-              <a:t> </a:t>
-            </a:r>
-            <a:r>
-              <a:rPr sz="2000" b="1" dirty="0">
-                <a:solidFill>
-                  <a:srgbClr val="C00000"/>
-                </a:solidFill>
-                <a:latin typeface="Arial"/>
-                <a:cs typeface="Arial"/>
-              </a:rPr>
-              <a:t>finalizing</a:t>
-            </a:r>
-            <a:r>
-              <a:rPr sz="2000" b="1" spc="-50" dirty="0">
-                <a:solidFill>
-                  <a:srgbClr val="C00000"/>
-                </a:solidFill>
-                <a:latin typeface="Arial"/>
-                <a:cs typeface="Arial"/>
-              </a:rPr>
-              <a:t> </a:t>
-            </a:r>
-            <a:r>
-              <a:rPr sz="2000" b="1" dirty="0">
-                <a:solidFill>
-                  <a:srgbClr val="C00000"/>
-                </a:solidFill>
-                <a:latin typeface="Arial"/>
-                <a:cs typeface="Arial"/>
-              </a:rPr>
-              <a:t>this</a:t>
-            </a:r>
-            <a:r>
-              <a:rPr sz="2000" b="1" spc="-40" dirty="0">
-                <a:solidFill>
-                  <a:srgbClr val="C00000"/>
-                </a:solidFill>
-                <a:latin typeface="Arial"/>
-                <a:cs typeface="Arial"/>
-              </a:rPr>
-              <a:t> </a:t>
-            </a:r>
-            <a:r>
-              <a:rPr sz="2000" b="1" dirty="0">
-                <a:solidFill>
-                  <a:srgbClr val="C00000"/>
-                </a:solidFill>
-                <a:latin typeface="Arial"/>
-                <a:cs typeface="Arial"/>
-              </a:rPr>
-              <a:t>training</a:t>
-            </a:r>
-            <a:r>
-              <a:rPr sz="2000" b="1" spc="-50" dirty="0">
-                <a:solidFill>
-                  <a:srgbClr val="C00000"/>
-                </a:solidFill>
-                <a:latin typeface="Arial"/>
-                <a:cs typeface="Arial"/>
-              </a:rPr>
-              <a:t> </a:t>
-            </a:r>
-            <a:r>
-              <a:rPr sz="2000" b="1" dirty="0">
-                <a:solidFill>
-                  <a:srgbClr val="C00000"/>
-                </a:solidFill>
-                <a:latin typeface="Arial"/>
-                <a:cs typeface="Arial"/>
-              </a:rPr>
-              <a:t>you</a:t>
-            </a:r>
-            <a:r>
-              <a:rPr sz="2000" b="1" spc="10" dirty="0">
-                <a:solidFill>
-                  <a:srgbClr val="C00000"/>
-                </a:solidFill>
-                <a:latin typeface="Arial"/>
-                <a:cs typeface="Arial"/>
-              </a:rPr>
-              <a:t> </a:t>
-            </a:r>
-            <a:r>
-              <a:rPr sz="2000" b="1" dirty="0">
-                <a:solidFill>
-                  <a:srgbClr val="C00000"/>
-                </a:solidFill>
-                <a:latin typeface="Arial"/>
-                <a:cs typeface="Arial"/>
-              </a:rPr>
-              <a:t>should</a:t>
-            </a:r>
-            <a:r>
-              <a:rPr sz="2000" b="1" spc="-35" dirty="0">
-                <a:solidFill>
-                  <a:srgbClr val="C00000"/>
-                </a:solidFill>
-                <a:latin typeface="Arial"/>
-                <a:cs typeface="Arial"/>
-              </a:rPr>
-              <a:t> </a:t>
-            </a:r>
-            <a:r>
-              <a:rPr sz="2000" b="1" dirty="0">
-                <a:solidFill>
-                  <a:srgbClr val="C00000"/>
-                </a:solidFill>
-                <a:latin typeface="Arial"/>
-                <a:cs typeface="Arial"/>
-              </a:rPr>
-              <a:t>be</a:t>
-            </a:r>
-            <a:r>
-              <a:rPr sz="2000" b="1" spc="-25" dirty="0">
-                <a:solidFill>
-                  <a:srgbClr val="C00000"/>
-                </a:solidFill>
-                <a:latin typeface="Arial"/>
-                <a:cs typeface="Arial"/>
-              </a:rPr>
-              <a:t> </a:t>
-            </a:r>
-            <a:r>
-              <a:rPr sz="2000" b="1" dirty="0">
-                <a:solidFill>
-                  <a:srgbClr val="C00000"/>
-                </a:solidFill>
-                <a:latin typeface="Arial"/>
-                <a:cs typeface="Arial"/>
-              </a:rPr>
-              <a:t>able</a:t>
-            </a:r>
-            <a:r>
-              <a:rPr sz="2000" b="1" spc="-35" dirty="0">
-                <a:solidFill>
-                  <a:srgbClr val="C00000"/>
-                </a:solidFill>
-                <a:latin typeface="Arial"/>
-                <a:cs typeface="Arial"/>
-              </a:rPr>
-              <a:t> </a:t>
-            </a:r>
-            <a:r>
-              <a:rPr sz="2000" b="1" spc="-25" dirty="0">
-                <a:solidFill>
-                  <a:srgbClr val="C00000"/>
-                </a:solidFill>
-                <a:latin typeface="Arial"/>
-                <a:cs typeface="Arial"/>
-              </a:rPr>
-              <a:t>to</a:t>
-            </a:r>
-            <a:endParaRPr sz="2000" dirty="0">
-              <a:latin typeface="Arial"/>
-              <a:cs typeface="Arial"/>
-            </a:endParaRPr>
-          </a:p>
-        </p:txBody>
-      </p:sp>
-      <p:sp>
-        <p:nvSpPr>
-          <p:cNvPr id="4" name="object 4"/>
-          <p:cNvSpPr txBox="1"/>
-          <p:nvPr/>
-        </p:nvSpPr>
-        <p:spPr>
-          <a:xfrm>
-            <a:off x="380623" y="1805202"/>
-            <a:ext cx="9220577" cy="4757071"/>
-          </a:xfrm>
-          <a:prstGeom prst="rect">
-            <a:avLst/>
-          </a:prstGeom>
-        </p:spPr>
-        <p:txBody>
-          <a:bodyPr vert="horz" wrap="square" lIns="0" tIns="12065" rIns="0" bIns="0" rtlCol="0">
-            <a:spAutoFit/>
-          </a:bodyPr>
-          <a:lstStyle/>
-          <a:p>
-            <a:pPr marL="354965" indent="-342265">
-              <a:lnSpc>
-                <a:spcPct val="100000"/>
-              </a:lnSpc>
-              <a:spcBef>
-                <a:spcPts val="95"/>
-              </a:spcBef>
-              <a:buFont typeface="Wingdings"/>
-              <a:buChar char=""/>
-              <a:tabLst>
-                <a:tab pos="354965" algn="l"/>
-              </a:tabLst>
-            </a:pPr>
-            <a:r>
-              <a:rPr lang="en-US" sz="2000" b="1" dirty="0">
-                <a:solidFill>
-                  <a:srgbClr val="00B050"/>
-                </a:solidFill>
-                <a:latin typeface="Calibri"/>
-                <a:cs typeface="Calibri"/>
-              </a:rPr>
-              <a:t>Computer Hardware</a:t>
-            </a:r>
-            <a:r>
-              <a:rPr lang="en-US" sz="2000" dirty="0">
-                <a:solidFill>
-                  <a:srgbClr val="00B050"/>
-                </a:solidFill>
-                <a:latin typeface="Calibri"/>
-                <a:cs typeface="Calibri"/>
-              </a:rPr>
-              <a:t>: Identify components, connect peripherals, and perform basic troubleshooting.</a:t>
-            </a:r>
-          </a:p>
-          <a:p>
-            <a:pPr marL="354965" indent="-342265">
-              <a:lnSpc>
-                <a:spcPct val="100000"/>
-              </a:lnSpc>
-              <a:spcBef>
-                <a:spcPts val="95"/>
-              </a:spcBef>
-              <a:buFont typeface="Wingdings"/>
-              <a:buChar char=""/>
-              <a:tabLst>
-                <a:tab pos="354965" algn="l"/>
-              </a:tabLst>
-            </a:pPr>
-            <a:r>
-              <a:rPr lang="en-US" sz="2000" b="1" dirty="0">
-                <a:solidFill>
-                  <a:srgbClr val="585858"/>
-                </a:solidFill>
-                <a:latin typeface="Calibri"/>
-                <a:cs typeface="Calibri"/>
-              </a:rPr>
-              <a:t>Excel</a:t>
-            </a:r>
-            <a:r>
-              <a:rPr lang="en-US" sz="2000" dirty="0">
-                <a:solidFill>
-                  <a:srgbClr val="585858"/>
-                </a:solidFill>
-                <a:latin typeface="Calibri"/>
-                <a:cs typeface="Calibri"/>
-              </a:rPr>
-              <a:t>: Use essential formulas, sort/filter data, and create basic charts.</a:t>
-            </a:r>
-          </a:p>
-          <a:p>
-            <a:pPr marL="354965" indent="-342265">
-              <a:lnSpc>
-                <a:spcPct val="100000"/>
-              </a:lnSpc>
-              <a:spcBef>
-                <a:spcPts val="95"/>
-              </a:spcBef>
-              <a:buFont typeface="Wingdings"/>
-              <a:buChar char=""/>
-              <a:tabLst>
-                <a:tab pos="354965" algn="l"/>
-              </a:tabLst>
-            </a:pPr>
-            <a:r>
-              <a:rPr lang="en-US" sz="2000" b="1" dirty="0">
-                <a:solidFill>
-                  <a:srgbClr val="585858"/>
-                </a:solidFill>
-                <a:latin typeface="Calibri"/>
-                <a:cs typeface="Calibri"/>
-              </a:rPr>
-              <a:t>PowerPoint</a:t>
-            </a:r>
-            <a:r>
-              <a:rPr lang="en-US" sz="2000" dirty="0">
-                <a:solidFill>
-                  <a:srgbClr val="585858"/>
-                </a:solidFill>
-                <a:latin typeface="Calibri"/>
-                <a:cs typeface="Calibri"/>
-              </a:rPr>
-              <a:t>: Create clean, professional slides and insert objects (images, charts).</a:t>
-            </a:r>
-          </a:p>
-          <a:p>
-            <a:pPr marL="354965" indent="-342265">
-              <a:lnSpc>
-                <a:spcPct val="100000"/>
-              </a:lnSpc>
-              <a:spcBef>
-                <a:spcPts val="95"/>
-              </a:spcBef>
-              <a:buFont typeface="Wingdings"/>
-              <a:buChar char=""/>
-              <a:tabLst>
-                <a:tab pos="354965" algn="l"/>
-              </a:tabLst>
-            </a:pPr>
-            <a:r>
-              <a:rPr lang="en-US" sz="2000" b="1" dirty="0">
-                <a:solidFill>
-                  <a:srgbClr val="585858"/>
-                </a:solidFill>
-                <a:latin typeface="Calibri"/>
-                <a:cs typeface="Calibri"/>
-              </a:rPr>
-              <a:t>Word</a:t>
-            </a:r>
-            <a:r>
-              <a:rPr lang="en-US" sz="2000" dirty="0">
-                <a:solidFill>
-                  <a:srgbClr val="585858"/>
-                </a:solidFill>
-                <a:latin typeface="Calibri"/>
-                <a:cs typeface="Calibri"/>
-              </a:rPr>
-              <a:t>: Apply consistent formatting (styles, headers) and use Track Changes.</a:t>
-            </a:r>
-          </a:p>
-          <a:p>
-            <a:pPr marL="354965" indent="-342265">
-              <a:lnSpc>
-                <a:spcPct val="100000"/>
-              </a:lnSpc>
-              <a:spcBef>
-                <a:spcPts val="95"/>
-              </a:spcBef>
-              <a:buFont typeface="Wingdings"/>
-              <a:buChar char=""/>
-              <a:tabLst>
-                <a:tab pos="354965" algn="l"/>
-              </a:tabLst>
-            </a:pPr>
-            <a:r>
-              <a:rPr lang="en-US" sz="2000" b="1" dirty="0">
-                <a:solidFill>
-                  <a:srgbClr val="00B050"/>
-                </a:solidFill>
-                <a:latin typeface="Calibri"/>
-                <a:cs typeface="Calibri"/>
-              </a:rPr>
-              <a:t>Outlook</a:t>
-            </a:r>
-            <a:r>
-              <a:rPr lang="en-US" sz="2000" dirty="0">
-                <a:solidFill>
-                  <a:srgbClr val="00B050"/>
-                </a:solidFill>
-                <a:latin typeface="Calibri"/>
-                <a:cs typeface="Calibri"/>
-              </a:rPr>
-              <a:t>: Write professional emails, organize their inbox, and manage their calendar.</a:t>
-            </a:r>
-          </a:p>
-          <a:p>
-            <a:pPr marL="354965" indent="-342265">
-              <a:lnSpc>
-                <a:spcPct val="100000"/>
-              </a:lnSpc>
-              <a:spcBef>
-                <a:spcPts val="95"/>
-              </a:spcBef>
-              <a:buFont typeface="Wingdings"/>
-              <a:buChar char=""/>
-              <a:tabLst>
-                <a:tab pos="354965" algn="l"/>
-              </a:tabLst>
-            </a:pPr>
-            <a:r>
-              <a:rPr lang="en-US" sz="2000" b="1" dirty="0">
-                <a:solidFill>
-                  <a:srgbClr val="585858"/>
-                </a:solidFill>
-                <a:latin typeface="Calibri"/>
-                <a:cs typeface="Calibri"/>
-              </a:rPr>
-              <a:t>ERP</a:t>
-            </a:r>
-            <a:r>
-              <a:rPr lang="en-US" sz="2000" dirty="0">
-                <a:solidFill>
-                  <a:srgbClr val="585858"/>
-                </a:solidFill>
-                <a:latin typeface="Calibri"/>
-                <a:cs typeface="Calibri"/>
-              </a:rPr>
-              <a:t>: Define what an ERP system is and explain its purpose in the business.</a:t>
-            </a:r>
-          </a:p>
-          <a:p>
-            <a:pPr marL="354965" indent="-342265">
-              <a:lnSpc>
-                <a:spcPct val="100000"/>
-              </a:lnSpc>
-              <a:spcBef>
-                <a:spcPts val="95"/>
-              </a:spcBef>
-              <a:buFont typeface="Wingdings"/>
-              <a:buChar char=""/>
-              <a:tabLst>
-                <a:tab pos="354965" algn="l"/>
-              </a:tabLst>
-            </a:pPr>
-            <a:r>
-              <a:rPr lang="en-US" sz="2000" b="1" dirty="0">
-                <a:solidFill>
-                  <a:srgbClr val="00B050"/>
-                </a:solidFill>
-                <a:latin typeface="Calibri"/>
-                <a:cs typeface="Calibri"/>
-              </a:rPr>
-              <a:t>Workplace Etiquette</a:t>
-            </a:r>
-            <a:r>
-              <a:rPr lang="en-US" sz="2000" dirty="0">
-                <a:solidFill>
-                  <a:srgbClr val="00B050"/>
-                </a:solidFill>
-                <a:latin typeface="Calibri"/>
-                <a:cs typeface="Calibri"/>
-              </a:rPr>
-              <a:t>: Demonstrate professional conduct in physical and virtual settings.</a:t>
-            </a:r>
-          </a:p>
-          <a:p>
-            <a:pPr marL="354965" indent="-342265">
-              <a:lnSpc>
-                <a:spcPct val="100000"/>
-              </a:lnSpc>
-              <a:spcBef>
-                <a:spcPts val="95"/>
-              </a:spcBef>
-              <a:buFont typeface="Wingdings"/>
-              <a:buChar char=""/>
-              <a:tabLst>
-                <a:tab pos="354965" algn="l"/>
-              </a:tabLst>
-            </a:pPr>
-            <a:r>
-              <a:rPr lang="en-US" sz="2000" b="1" dirty="0">
-                <a:solidFill>
-                  <a:srgbClr val="00B050"/>
-                </a:solidFill>
-                <a:latin typeface="Calibri"/>
-                <a:cs typeface="Calibri"/>
-              </a:rPr>
-              <a:t>Communication</a:t>
-            </a:r>
-            <a:r>
-              <a:rPr lang="en-US" sz="2000" dirty="0">
-                <a:solidFill>
-                  <a:srgbClr val="00B050"/>
-                </a:solidFill>
-                <a:latin typeface="Calibri"/>
-                <a:cs typeface="Calibri"/>
-              </a:rPr>
-              <a:t>: Practice active listening and communicate ideas clearly.</a:t>
-            </a:r>
-          </a:p>
-          <a:p>
-            <a:pPr marL="354965" indent="-342265">
-              <a:lnSpc>
-                <a:spcPct val="100000"/>
-              </a:lnSpc>
-              <a:spcBef>
-                <a:spcPts val="95"/>
-              </a:spcBef>
-              <a:buFont typeface="Wingdings"/>
-              <a:buChar char=""/>
-              <a:tabLst>
-                <a:tab pos="354965" algn="l"/>
-              </a:tabLst>
-            </a:pPr>
-            <a:r>
-              <a:rPr lang="en-US" sz="2000" b="1" dirty="0">
-                <a:solidFill>
-                  <a:srgbClr val="00B050"/>
-                </a:solidFill>
-                <a:latin typeface="Calibri"/>
-                <a:cs typeface="Calibri"/>
-              </a:rPr>
-              <a:t>Professional Ethics</a:t>
-            </a:r>
-            <a:r>
-              <a:rPr lang="en-US" sz="2000" dirty="0">
-                <a:solidFill>
-                  <a:srgbClr val="00B050"/>
-                </a:solidFill>
-                <a:latin typeface="Calibri"/>
-                <a:cs typeface="Calibri"/>
-              </a:rPr>
-              <a:t>: Understand the importance of integrity, confidentiality, and accountability.</a:t>
-            </a:r>
-          </a:p>
-          <a:p>
-            <a:pPr marL="354965" indent="-342265">
-              <a:lnSpc>
-                <a:spcPct val="100000"/>
-              </a:lnSpc>
-              <a:spcBef>
-                <a:spcPts val="95"/>
-              </a:spcBef>
-              <a:buFont typeface="Wingdings"/>
-              <a:buChar char=""/>
-              <a:tabLst>
-                <a:tab pos="354965" algn="l"/>
-              </a:tabLst>
-            </a:pPr>
-            <a:r>
-              <a:rPr lang="en-US" sz="2000" b="1" dirty="0">
-                <a:solidFill>
-                  <a:srgbClr val="585858"/>
-                </a:solidFill>
-                <a:latin typeface="Calibri"/>
-                <a:cs typeface="Calibri"/>
-              </a:rPr>
-              <a:t>Time Management</a:t>
-            </a:r>
-            <a:r>
-              <a:rPr lang="en-US" sz="2000" dirty="0">
-                <a:solidFill>
-                  <a:srgbClr val="585858"/>
-                </a:solidFill>
-                <a:latin typeface="Calibri"/>
-                <a:cs typeface="Calibri"/>
-              </a:rPr>
-              <a:t>: Prioritize tasks effectively and plan their workday.</a:t>
-            </a:r>
-          </a:p>
-          <a:p>
-            <a:pPr marL="354965" indent="-342265">
-              <a:lnSpc>
-                <a:spcPct val="100000"/>
-              </a:lnSpc>
-              <a:spcBef>
-                <a:spcPts val="95"/>
-              </a:spcBef>
-              <a:buFont typeface="Wingdings"/>
-              <a:buChar char=""/>
-              <a:tabLst>
-                <a:tab pos="354965" algn="l"/>
-              </a:tabLst>
-            </a:pPr>
-            <a:r>
-              <a:rPr lang="en-US" sz="2000" b="1" dirty="0">
-                <a:solidFill>
-                  <a:srgbClr val="585858"/>
-                </a:solidFill>
-                <a:latin typeface="Calibri"/>
-                <a:cs typeface="Calibri"/>
-              </a:rPr>
-              <a:t>Problem Solving</a:t>
-            </a:r>
-            <a:r>
-              <a:rPr lang="en-US" sz="2000" dirty="0">
-                <a:solidFill>
-                  <a:srgbClr val="585858"/>
-                </a:solidFill>
-                <a:latin typeface="Calibri"/>
-                <a:cs typeface="Calibri"/>
-              </a:rPr>
-              <a:t>: Apply a structured approach to identify and solve workplace problems.</a:t>
-            </a:r>
-            <a:endParaRPr sz="2000" dirty="0">
-              <a:solidFill>
-                <a:srgbClr val="585858"/>
-              </a:solidFill>
-              <a:latin typeface="Calibri"/>
-              <a:cs typeface="Calibri"/>
-            </a:endParaRPr>
-          </a:p>
-        </p:txBody>
-      </p:sp>
-      <p:pic>
-        <p:nvPicPr>
-          <p:cNvPr id="5" name="object 5"/>
-          <p:cNvPicPr/>
-          <p:nvPr/>
-        </p:nvPicPr>
-        <p:blipFill>
-          <a:blip r:embed="rId2" cstate="print"/>
-          <a:stretch>
-            <a:fillRect/>
-          </a:stretch>
-        </p:blipFill>
-        <p:spPr>
-          <a:xfrm>
-            <a:off x="9430165" y="1249680"/>
-            <a:ext cx="2410147" cy="1581150"/>
-          </a:xfrm>
-          <a:prstGeom prst="rect">
-            <a:avLst/>
-          </a:prstGeom>
-        </p:spPr>
-      </p:pic>
-      <p:sp>
-        <p:nvSpPr>
-          <p:cNvPr id="6" name="object 6"/>
-          <p:cNvSpPr txBox="1">
-            <a:spLocks noGrp="1"/>
-          </p:cNvSpPr>
-          <p:nvPr>
-            <p:ph type="sldNum" sz="quarter" idx="7"/>
-          </p:nvPr>
-        </p:nvSpPr>
-        <p:spPr>
-          <a:prstGeom prst="rect">
-            <a:avLst/>
-          </a:prstGeom>
-        </p:spPr>
-        <p:txBody>
-          <a:bodyPr vert="horz" wrap="square" lIns="0" tIns="0" rIns="0" bIns="0" rtlCol="0">
-            <a:spAutoFit/>
-          </a:bodyPr>
-          <a:lstStyle/>
-          <a:p>
-            <a:pPr marL="38100">
-              <a:lnSpc>
-                <a:spcPts val="1310"/>
-              </a:lnSpc>
-            </a:pPr>
-            <a:fld id="{81D60167-4931-47E6-BA6A-407CBD079E47}" type="slidenum">
-              <a:rPr spc="-25" dirty="0"/>
-              <a:t>3</a:t>
-            </a:fld>
-            <a:endParaRPr spc="-25" dirty="0"/>
-          </a:p>
-        </p:txBody>
-      </p:sp>
-    </p:spTree>
-  </p:cSld>
-  <p:clrMapOvr>
-    <a:masterClrMapping/>
-  </p:clrMapOvr>
-  <p:timing>
-    <p:tnLst>
-      <p:par>
-        <p:cTn id="1" dur="indefinite" restart="never" nodeType="tmRoot"/>
-      </p:par>
-    </p:tnLst>
-  </p:timing>
-</p:sld>
-</file>
-
-<file path=ppt/slides/slide30.xml><?xml version="1.0" encoding="utf-8"?>
+<file path=ppt/slides/slide28.xml><?xml version="1.0" encoding="utf-8"?>
 <p:sld xmlns:a="http://schemas.openxmlformats.org/drawingml/2006/main" xmlns:r="http://schemas.openxmlformats.org/officeDocument/2006/relationships" xmlns:p="http://schemas.openxmlformats.org/presentationml/2006/main">
   <p:cSld>
     <p:spTree>
@@ -10306,6 +8969,766 @@
   <p:clrMapOvr>
     <a:masterClrMapping/>
   </p:clrMapOvr>
+  <p:timing>
+    <p:tnLst>
+      <p:par>
+        <p:cTn id="1" dur="indefinite" restart="never" nodeType="tmRoot"/>
+      </p:par>
+    </p:tnLst>
+  </p:timing>
+</p:sld>
+</file>
+
+<file path=ppt/slides/slide3.xml><?xml version="1.0" encoding="utf-8"?>
+<p:sld xmlns:a="http://schemas.openxmlformats.org/drawingml/2006/main" xmlns:r="http://schemas.openxmlformats.org/officeDocument/2006/relationships" xmlns:p="http://schemas.openxmlformats.org/presentationml/2006/main">
+  <p:cSld>
+    <p:spTree>
+      <p:nvGrpSpPr>
+        <p:cNvPr id="1" name=""/>
+        <p:cNvGrpSpPr/>
+        <p:nvPr/>
+      </p:nvGrpSpPr>
+      <p:grpSpPr>
+        <a:xfrm>
+          <a:off x="0" y="0"/>
+          <a:ext cx="0" cy="0"/>
+          <a:chOff x="0" y="0"/>
+          <a:chExt cx="0" cy="0"/>
+        </a:xfrm>
+      </p:grpSpPr>
+      <p:sp>
+        <p:nvSpPr>
+          <p:cNvPr id="2" name="object 2"/>
+          <p:cNvSpPr txBox="1">
+            <a:spLocks noGrp="1"/>
+          </p:cNvSpPr>
+          <p:nvPr>
+            <p:ph type="title"/>
+          </p:nvPr>
+        </p:nvSpPr>
+        <p:spPr>
+          <a:prstGeom prst="rect">
+            <a:avLst/>
+          </a:prstGeom>
+        </p:spPr>
+        <p:txBody>
+          <a:bodyPr vert="horz" wrap="square" lIns="0" tIns="204088" rIns="0" bIns="0" rtlCol="0">
+            <a:spAutoFit/>
+          </a:bodyPr>
+          <a:lstStyle/>
+          <a:p>
+            <a:pPr marL="175895">
+              <a:lnSpc>
+                <a:spcPct val="100000"/>
+              </a:lnSpc>
+              <a:spcBef>
+                <a:spcPts val="95"/>
+              </a:spcBef>
+            </a:pPr>
+            <a:r>
+              <a:rPr sz="2800" spc="-10" dirty="0"/>
+              <a:t>Training</a:t>
+            </a:r>
+            <a:r>
+              <a:rPr sz="2800" spc="-180" dirty="0"/>
+              <a:t> </a:t>
+            </a:r>
+            <a:r>
+              <a:rPr sz="2800" spc="-10" dirty="0"/>
+              <a:t>Objectives</a:t>
+            </a:r>
+            <a:endParaRPr sz="2800"/>
+          </a:p>
+        </p:txBody>
+      </p:sp>
+      <p:sp>
+        <p:nvSpPr>
+          <p:cNvPr id="3" name="object 3"/>
+          <p:cNvSpPr txBox="1"/>
+          <p:nvPr/>
+        </p:nvSpPr>
+        <p:spPr>
+          <a:xfrm>
+            <a:off x="402742" y="1102308"/>
+            <a:ext cx="5986145" cy="331470"/>
+          </a:xfrm>
+          <a:prstGeom prst="rect">
+            <a:avLst/>
+          </a:prstGeom>
+        </p:spPr>
+        <p:txBody>
+          <a:bodyPr vert="horz" wrap="square" lIns="0" tIns="13335" rIns="0" bIns="0" rtlCol="0">
+            <a:spAutoFit/>
+          </a:bodyPr>
+          <a:lstStyle/>
+          <a:p>
+            <a:pPr marL="12700">
+              <a:lnSpc>
+                <a:spcPct val="100000"/>
+              </a:lnSpc>
+              <a:spcBef>
+                <a:spcPts val="105"/>
+              </a:spcBef>
+            </a:pPr>
+            <a:r>
+              <a:rPr sz="2000" b="1" dirty="0">
+                <a:solidFill>
+                  <a:srgbClr val="C00000"/>
+                </a:solidFill>
+                <a:latin typeface="Arial"/>
+                <a:cs typeface="Arial"/>
+              </a:rPr>
+              <a:t>After</a:t>
+            </a:r>
+            <a:r>
+              <a:rPr sz="2000" b="1" spc="-55" dirty="0">
+                <a:solidFill>
+                  <a:srgbClr val="C00000"/>
+                </a:solidFill>
+                <a:latin typeface="Arial"/>
+                <a:cs typeface="Arial"/>
+              </a:rPr>
+              <a:t> </a:t>
+            </a:r>
+            <a:r>
+              <a:rPr sz="2000" b="1" dirty="0">
+                <a:solidFill>
+                  <a:srgbClr val="C00000"/>
+                </a:solidFill>
+                <a:latin typeface="Arial"/>
+                <a:cs typeface="Arial"/>
+              </a:rPr>
+              <a:t>finalizing</a:t>
+            </a:r>
+            <a:r>
+              <a:rPr sz="2000" b="1" spc="-50" dirty="0">
+                <a:solidFill>
+                  <a:srgbClr val="C00000"/>
+                </a:solidFill>
+                <a:latin typeface="Arial"/>
+                <a:cs typeface="Arial"/>
+              </a:rPr>
+              <a:t> </a:t>
+            </a:r>
+            <a:r>
+              <a:rPr sz="2000" b="1" dirty="0">
+                <a:solidFill>
+                  <a:srgbClr val="C00000"/>
+                </a:solidFill>
+                <a:latin typeface="Arial"/>
+                <a:cs typeface="Arial"/>
+              </a:rPr>
+              <a:t>this</a:t>
+            </a:r>
+            <a:r>
+              <a:rPr sz="2000" b="1" spc="-40" dirty="0">
+                <a:solidFill>
+                  <a:srgbClr val="C00000"/>
+                </a:solidFill>
+                <a:latin typeface="Arial"/>
+                <a:cs typeface="Arial"/>
+              </a:rPr>
+              <a:t> </a:t>
+            </a:r>
+            <a:r>
+              <a:rPr sz="2000" b="1" dirty="0">
+                <a:solidFill>
+                  <a:srgbClr val="C00000"/>
+                </a:solidFill>
+                <a:latin typeface="Arial"/>
+                <a:cs typeface="Arial"/>
+              </a:rPr>
+              <a:t>training</a:t>
+            </a:r>
+            <a:r>
+              <a:rPr sz="2000" b="1" spc="-50" dirty="0">
+                <a:solidFill>
+                  <a:srgbClr val="C00000"/>
+                </a:solidFill>
+                <a:latin typeface="Arial"/>
+                <a:cs typeface="Arial"/>
+              </a:rPr>
+              <a:t> </a:t>
+            </a:r>
+            <a:r>
+              <a:rPr sz="2000" b="1" dirty="0">
+                <a:solidFill>
+                  <a:srgbClr val="C00000"/>
+                </a:solidFill>
+                <a:latin typeface="Arial"/>
+                <a:cs typeface="Arial"/>
+              </a:rPr>
+              <a:t>you</a:t>
+            </a:r>
+            <a:r>
+              <a:rPr sz="2000" b="1" spc="10" dirty="0">
+                <a:solidFill>
+                  <a:srgbClr val="C00000"/>
+                </a:solidFill>
+                <a:latin typeface="Arial"/>
+                <a:cs typeface="Arial"/>
+              </a:rPr>
+              <a:t> </a:t>
+            </a:r>
+            <a:r>
+              <a:rPr sz="2000" b="1" dirty="0">
+                <a:solidFill>
+                  <a:srgbClr val="C00000"/>
+                </a:solidFill>
+                <a:latin typeface="Arial"/>
+                <a:cs typeface="Arial"/>
+              </a:rPr>
+              <a:t>should</a:t>
+            </a:r>
+            <a:r>
+              <a:rPr sz="2000" b="1" spc="-35" dirty="0">
+                <a:solidFill>
+                  <a:srgbClr val="C00000"/>
+                </a:solidFill>
+                <a:latin typeface="Arial"/>
+                <a:cs typeface="Arial"/>
+              </a:rPr>
+              <a:t> </a:t>
+            </a:r>
+            <a:r>
+              <a:rPr sz="2000" b="1" dirty="0">
+                <a:solidFill>
+                  <a:srgbClr val="C00000"/>
+                </a:solidFill>
+                <a:latin typeface="Arial"/>
+                <a:cs typeface="Arial"/>
+              </a:rPr>
+              <a:t>be</a:t>
+            </a:r>
+            <a:r>
+              <a:rPr sz="2000" b="1" spc="-25" dirty="0">
+                <a:solidFill>
+                  <a:srgbClr val="C00000"/>
+                </a:solidFill>
+                <a:latin typeface="Arial"/>
+                <a:cs typeface="Arial"/>
+              </a:rPr>
+              <a:t> </a:t>
+            </a:r>
+            <a:r>
+              <a:rPr sz="2000" b="1" dirty="0">
+                <a:solidFill>
+                  <a:srgbClr val="C00000"/>
+                </a:solidFill>
+                <a:latin typeface="Arial"/>
+                <a:cs typeface="Arial"/>
+              </a:rPr>
+              <a:t>able</a:t>
+            </a:r>
+            <a:r>
+              <a:rPr sz="2000" b="1" spc="-35" dirty="0">
+                <a:solidFill>
+                  <a:srgbClr val="C00000"/>
+                </a:solidFill>
+                <a:latin typeface="Arial"/>
+                <a:cs typeface="Arial"/>
+              </a:rPr>
+              <a:t> </a:t>
+            </a:r>
+            <a:r>
+              <a:rPr sz="2000" b="1" spc="-25" dirty="0">
+                <a:solidFill>
+                  <a:srgbClr val="C00000"/>
+                </a:solidFill>
+                <a:latin typeface="Arial"/>
+                <a:cs typeface="Arial"/>
+              </a:rPr>
+              <a:t>to</a:t>
+            </a:r>
+            <a:endParaRPr sz="2000" dirty="0">
+              <a:latin typeface="Arial"/>
+              <a:cs typeface="Arial"/>
+            </a:endParaRPr>
+          </a:p>
+        </p:txBody>
+      </p:sp>
+      <p:sp>
+        <p:nvSpPr>
+          <p:cNvPr id="4" name="object 4"/>
+          <p:cNvSpPr txBox="1"/>
+          <p:nvPr/>
+        </p:nvSpPr>
+        <p:spPr>
+          <a:xfrm>
+            <a:off x="380623" y="1805202"/>
+            <a:ext cx="9220577" cy="4757071"/>
+          </a:xfrm>
+          <a:prstGeom prst="rect">
+            <a:avLst/>
+          </a:prstGeom>
+        </p:spPr>
+        <p:txBody>
+          <a:bodyPr vert="horz" wrap="square" lIns="0" tIns="12065" rIns="0" bIns="0" rtlCol="0">
+            <a:spAutoFit/>
+          </a:bodyPr>
+          <a:lstStyle/>
+          <a:p>
+            <a:pPr marL="354965" indent="-342265">
+              <a:lnSpc>
+                <a:spcPct val="100000"/>
+              </a:lnSpc>
+              <a:spcBef>
+                <a:spcPts val="95"/>
+              </a:spcBef>
+              <a:buFont typeface="Wingdings"/>
+              <a:buChar char=""/>
+              <a:tabLst>
+                <a:tab pos="354965" algn="l"/>
+              </a:tabLst>
+            </a:pPr>
+            <a:r>
+              <a:rPr lang="en-US" sz="2000" b="1" dirty="0">
+                <a:solidFill>
+                  <a:srgbClr val="00B050"/>
+                </a:solidFill>
+                <a:latin typeface="Calibri"/>
+                <a:cs typeface="Calibri"/>
+              </a:rPr>
+              <a:t>Computer Hardware</a:t>
+            </a:r>
+            <a:r>
+              <a:rPr lang="en-US" sz="2000" dirty="0">
+                <a:solidFill>
+                  <a:srgbClr val="00B050"/>
+                </a:solidFill>
+                <a:latin typeface="Calibri"/>
+                <a:cs typeface="Calibri"/>
+              </a:rPr>
+              <a:t>: Identify components, connect peripherals, and perform basic troubleshooting.</a:t>
+            </a:r>
+          </a:p>
+          <a:p>
+            <a:pPr marL="354965" indent="-342265">
+              <a:lnSpc>
+                <a:spcPct val="100000"/>
+              </a:lnSpc>
+              <a:spcBef>
+                <a:spcPts val="95"/>
+              </a:spcBef>
+              <a:buFont typeface="Wingdings"/>
+              <a:buChar char=""/>
+              <a:tabLst>
+                <a:tab pos="354965" algn="l"/>
+              </a:tabLst>
+            </a:pPr>
+            <a:r>
+              <a:rPr lang="en-US" sz="2000" b="1" dirty="0">
+                <a:solidFill>
+                  <a:srgbClr val="585858"/>
+                </a:solidFill>
+                <a:latin typeface="Calibri"/>
+                <a:cs typeface="Calibri"/>
+              </a:rPr>
+              <a:t>Excel</a:t>
+            </a:r>
+            <a:r>
+              <a:rPr lang="en-US" sz="2000" dirty="0">
+                <a:solidFill>
+                  <a:srgbClr val="585858"/>
+                </a:solidFill>
+                <a:latin typeface="Calibri"/>
+                <a:cs typeface="Calibri"/>
+              </a:rPr>
+              <a:t>: Use essential formulas, sort/filter data, and create basic charts.</a:t>
+            </a:r>
+          </a:p>
+          <a:p>
+            <a:pPr marL="354965" indent="-342265">
+              <a:lnSpc>
+                <a:spcPct val="100000"/>
+              </a:lnSpc>
+              <a:spcBef>
+                <a:spcPts val="95"/>
+              </a:spcBef>
+              <a:buFont typeface="Wingdings"/>
+              <a:buChar char=""/>
+              <a:tabLst>
+                <a:tab pos="354965" algn="l"/>
+              </a:tabLst>
+            </a:pPr>
+            <a:r>
+              <a:rPr lang="en-US" sz="2000" b="1" dirty="0">
+                <a:solidFill>
+                  <a:srgbClr val="585858"/>
+                </a:solidFill>
+                <a:latin typeface="Calibri"/>
+                <a:cs typeface="Calibri"/>
+              </a:rPr>
+              <a:t>PowerPoint</a:t>
+            </a:r>
+            <a:r>
+              <a:rPr lang="en-US" sz="2000" dirty="0">
+                <a:solidFill>
+                  <a:srgbClr val="585858"/>
+                </a:solidFill>
+                <a:latin typeface="Calibri"/>
+                <a:cs typeface="Calibri"/>
+              </a:rPr>
+              <a:t>: Create clean, professional slides and insert objects (images, charts).</a:t>
+            </a:r>
+          </a:p>
+          <a:p>
+            <a:pPr marL="354965" indent="-342265">
+              <a:lnSpc>
+                <a:spcPct val="100000"/>
+              </a:lnSpc>
+              <a:spcBef>
+                <a:spcPts val="95"/>
+              </a:spcBef>
+              <a:buFont typeface="Wingdings"/>
+              <a:buChar char=""/>
+              <a:tabLst>
+                <a:tab pos="354965" algn="l"/>
+              </a:tabLst>
+            </a:pPr>
+            <a:r>
+              <a:rPr lang="en-US" sz="2000" b="1" dirty="0">
+                <a:solidFill>
+                  <a:srgbClr val="585858"/>
+                </a:solidFill>
+                <a:latin typeface="Calibri"/>
+                <a:cs typeface="Calibri"/>
+              </a:rPr>
+              <a:t>Word</a:t>
+            </a:r>
+            <a:r>
+              <a:rPr lang="en-US" sz="2000" dirty="0">
+                <a:solidFill>
+                  <a:srgbClr val="585858"/>
+                </a:solidFill>
+                <a:latin typeface="Calibri"/>
+                <a:cs typeface="Calibri"/>
+              </a:rPr>
+              <a:t>: Apply consistent formatting (styles, headers) and use Track Changes.</a:t>
+            </a:r>
+          </a:p>
+          <a:p>
+            <a:pPr marL="354965" indent="-342265">
+              <a:lnSpc>
+                <a:spcPct val="100000"/>
+              </a:lnSpc>
+              <a:spcBef>
+                <a:spcPts val="95"/>
+              </a:spcBef>
+              <a:buFont typeface="Wingdings"/>
+              <a:buChar char=""/>
+              <a:tabLst>
+                <a:tab pos="354965" algn="l"/>
+              </a:tabLst>
+            </a:pPr>
+            <a:r>
+              <a:rPr lang="en-US" sz="2000" b="1" dirty="0">
+                <a:solidFill>
+                  <a:srgbClr val="00B050"/>
+                </a:solidFill>
+                <a:latin typeface="Calibri"/>
+                <a:cs typeface="Calibri"/>
+              </a:rPr>
+              <a:t>Outlook</a:t>
+            </a:r>
+            <a:r>
+              <a:rPr lang="en-US" sz="2000" dirty="0">
+                <a:solidFill>
+                  <a:srgbClr val="00B050"/>
+                </a:solidFill>
+                <a:latin typeface="Calibri"/>
+                <a:cs typeface="Calibri"/>
+              </a:rPr>
+              <a:t>: Write professional emails, organize their inbox, and manage their calendar.</a:t>
+            </a:r>
+          </a:p>
+          <a:p>
+            <a:pPr marL="354965" indent="-342265">
+              <a:lnSpc>
+                <a:spcPct val="100000"/>
+              </a:lnSpc>
+              <a:spcBef>
+                <a:spcPts val="95"/>
+              </a:spcBef>
+              <a:buFont typeface="Wingdings"/>
+              <a:buChar char=""/>
+              <a:tabLst>
+                <a:tab pos="354965" algn="l"/>
+              </a:tabLst>
+            </a:pPr>
+            <a:r>
+              <a:rPr lang="en-US" sz="2000" b="1" dirty="0">
+                <a:solidFill>
+                  <a:srgbClr val="585858"/>
+                </a:solidFill>
+                <a:latin typeface="Calibri"/>
+                <a:cs typeface="Calibri"/>
+              </a:rPr>
+              <a:t>ERP</a:t>
+            </a:r>
+            <a:r>
+              <a:rPr lang="en-US" sz="2000" dirty="0">
+                <a:solidFill>
+                  <a:srgbClr val="585858"/>
+                </a:solidFill>
+                <a:latin typeface="Calibri"/>
+                <a:cs typeface="Calibri"/>
+              </a:rPr>
+              <a:t>: Define what an ERP system is and explain its purpose in the business.</a:t>
+            </a:r>
+          </a:p>
+          <a:p>
+            <a:pPr marL="354965" indent="-342265">
+              <a:lnSpc>
+                <a:spcPct val="100000"/>
+              </a:lnSpc>
+              <a:spcBef>
+                <a:spcPts val="95"/>
+              </a:spcBef>
+              <a:buFont typeface="Wingdings"/>
+              <a:buChar char=""/>
+              <a:tabLst>
+                <a:tab pos="354965" algn="l"/>
+              </a:tabLst>
+            </a:pPr>
+            <a:r>
+              <a:rPr lang="en-US" sz="2000" b="1" dirty="0">
+                <a:solidFill>
+                  <a:srgbClr val="00B050"/>
+                </a:solidFill>
+                <a:latin typeface="Calibri"/>
+                <a:cs typeface="Calibri"/>
+              </a:rPr>
+              <a:t>Workplace Etiquette</a:t>
+            </a:r>
+            <a:r>
+              <a:rPr lang="en-US" sz="2000" dirty="0">
+                <a:solidFill>
+                  <a:srgbClr val="00B050"/>
+                </a:solidFill>
+                <a:latin typeface="Calibri"/>
+                <a:cs typeface="Calibri"/>
+              </a:rPr>
+              <a:t>: Demonstrate professional conduct in physical and virtual settings.</a:t>
+            </a:r>
+          </a:p>
+          <a:p>
+            <a:pPr marL="354965" indent="-342265">
+              <a:lnSpc>
+                <a:spcPct val="100000"/>
+              </a:lnSpc>
+              <a:spcBef>
+                <a:spcPts val="95"/>
+              </a:spcBef>
+              <a:buFont typeface="Wingdings"/>
+              <a:buChar char=""/>
+              <a:tabLst>
+                <a:tab pos="354965" algn="l"/>
+              </a:tabLst>
+            </a:pPr>
+            <a:r>
+              <a:rPr lang="en-US" sz="2000" b="1" dirty="0">
+                <a:solidFill>
+                  <a:srgbClr val="00B050"/>
+                </a:solidFill>
+                <a:latin typeface="Calibri"/>
+                <a:cs typeface="Calibri"/>
+              </a:rPr>
+              <a:t>Communication</a:t>
+            </a:r>
+            <a:r>
+              <a:rPr lang="en-US" sz="2000" dirty="0">
+                <a:solidFill>
+                  <a:srgbClr val="00B050"/>
+                </a:solidFill>
+                <a:latin typeface="Calibri"/>
+                <a:cs typeface="Calibri"/>
+              </a:rPr>
+              <a:t>: Practice active listening and communicate ideas clearly.</a:t>
+            </a:r>
+          </a:p>
+          <a:p>
+            <a:pPr marL="354965" indent="-342265">
+              <a:lnSpc>
+                <a:spcPct val="100000"/>
+              </a:lnSpc>
+              <a:spcBef>
+                <a:spcPts val="95"/>
+              </a:spcBef>
+              <a:buFont typeface="Wingdings"/>
+              <a:buChar char=""/>
+              <a:tabLst>
+                <a:tab pos="354965" algn="l"/>
+              </a:tabLst>
+            </a:pPr>
+            <a:r>
+              <a:rPr lang="en-US" sz="2000" b="1" dirty="0">
+                <a:solidFill>
+                  <a:srgbClr val="00B050"/>
+                </a:solidFill>
+                <a:latin typeface="Calibri"/>
+                <a:cs typeface="Calibri"/>
+              </a:rPr>
+              <a:t>Professional Ethics</a:t>
+            </a:r>
+            <a:r>
+              <a:rPr lang="en-US" sz="2000" dirty="0">
+                <a:solidFill>
+                  <a:srgbClr val="00B050"/>
+                </a:solidFill>
+                <a:latin typeface="Calibri"/>
+                <a:cs typeface="Calibri"/>
+              </a:rPr>
+              <a:t>: Understand the importance of integrity, confidentiality, and accountability.</a:t>
+            </a:r>
+          </a:p>
+          <a:p>
+            <a:pPr marL="354965" indent="-342265">
+              <a:lnSpc>
+                <a:spcPct val="100000"/>
+              </a:lnSpc>
+              <a:spcBef>
+                <a:spcPts val="95"/>
+              </a:spcBef>
+              <a:buFont typeface="Wingdings"/>
+              <a:buChar char=""/>
+              <a:tabLst>
+                <a:tab pos="354965" algn="l"/>
+              </a:tabLst>
+            </a:pPr>
+            <a:r>
+              <a:rPr lang="en-US" sz="2000" b="1" dirty="0">
+                <a:solidFill>
+                  <a:srgbClr val="585858"/>
+                </a:solidFill>
+                <a:latin typeface="Calibri"/>
+                <a:cs typeface="Calibri"/>
+              </a:rPr>
+              <a:t>Time Management</a:t>
+            </a:r>
+            <a:r>
+              <a:rPr lang="en-US" sz="2000" dirty="0">
+                <a:solidFill>
+                  <a:srgbClr val="585858"/>
+                </a:solidFill>
+                <a:latin typeface="Calibri"/>
+                <a:cs typeface="Calibri"/>
+              </a:rPr>
+              <a:t>: Prioritize tasks effectively and plan their workday.</a:t>
+            </a:r>
+          </a:p>
+          <a:p>
+            <a:pPr marL="354965" indent="-342265">
+              <a:lnSpc>
+                <a:spcPct val="100000"/>
+              </a:lnSpc>
+              <a:spcBef>
+                <a:spcPts val="95"/>
+              </a:spcBef>
+              <a:buFont typeface="Wingdings"/>
+              <a:buChar char=""/>
+              <a:tabLst>
+                <a:tab pos="354965" algn="l"/>
+              </a:tabLst>
+            </a:pPr>
+            <a:r>
+              <a:rPr lang="en-US" sz="2000" b="1" dirty="0">
+                <a:solidFill>
+                  <a:srgbClr val="585858"/>
+                </a:solidFill>
+                <a:latin typeface="Calibri"/>
+                <a:cs typeface="Calibri"/>
+              </a:rPr>
+              <a:t>Problem Solving</a:t>
+            </a:r>
+            <a:r>
+              <a:rPr lang="en-US" sz="2000" dirty="0">
+                <a:solidFill>
+                  <a:srgbClr val="585858"/>
+                </a:solidFill>
+                <a:latin typeface="Calibri"/>
+                <a:cs typeface="Calibri"/>
+              </a:rPr>
+              <a:t>: Apply a structured approach to identify and solve workplace problems.</a:t>
+            </a:r>
+            <a:endParaRPr sz="2000" dirty="0">
+              <a:solidFill>
+                <a:srgbClr val="585858"/>
+              </a:solidFill>
+              <a:latin typeface="Calibri"/>
+              <a:cs typeface="Calibri"/>
+            </a:endParaRPr>
+          </a:p>
+        </p:txBody>
+      </p:sp>
+      <p:pic>
+        <p:nvPicPr>
+          <p:cNvPr id="5" name="object 5"/>
+          <p:cNvPicPr/>
+          <p:nvPr/>
+        </p:nvPicPr>
+        <p:blipFill>
+          <a:blip r:embed="rId2" cstate="print"/>
+          <a:stretch>
+            <a:fillRect/>
+          </a:stretch>
+        </p:blipFill>
+        <p:spPr>
+          <a:xfrm>
+            <a:off x="9430165" y="1249680"/>
+            <a:ext cx="2410147" cy="1581150"/>
+          </a:xfrm>
+          <a:prstGeom prst="rect">
+            <a:avLst/>
+          </a:prstGeom>
+        </p:spPr>
+      </p:pic>
+      <p:sp>
+        <p:nvSpPr>
+          <p:cNvPr id="6" name="object 6"/>
+          <p:cNvSpPr txBox="1">
+            <a:spLocks noGrp="1"/>
+          </p:cNvSpPr>
+          <p:nvPr>
+            <p:ph type="sldNum" sz="quarter" idx="7"/>
+          </p:nvPr>
+        </p:nvSpPr>
+        <p:spPr>
+          <a:prstGeom prst="rect">
+            <a:avLst/>
+          </a:prstGeom>
+        </p:spPr>
+        <p:txBody>
+          <a:bodyPr vert="horz" wrap="square" lIns="0" tIns="0" rIns="0" bIns="0" rtlCol="0">
+            <a:spAutoFit/>
+          </a:bodyPr>
+          <a:lstStyle/>
+          <a:p>
+            <a:pPr marL="38100">
+              <a:lnSpc>
+                <a:spcPts val="1310"/>
+              </a:lnSpc>
+            </a:pPr>
+            <a:fld id="{81D60167-4931-47E6-BA6A-407CBD079E47}" type="slidenum">
+              <a:rPr spc="-25" dirty="0"/>
+              <a:t>3</a:t>
+            </a:fld>
+            <a:endParaRPr spc="-25" dirty="0"/>
+          </a:p>
+        </p:txBody>
+      </p:sp>
+    </p:spTree>
+  </p:cSld>
+  <p:clrMapOvr>
+    <a:masterClrMapping/>
+  </p:clrMapOvr>
+  <p:timing>
+    <p:tnLst>
+      <p:par>
+        <p:cTn id="1" dur="indefinite" restart="never" nodeType="tmRoot"/>
+      </p:par>
+    </p:tnLst>
+  </p:timing>
 </p:sld>
 </file>
 
@@ -10467,23 +9890,7 @@
                 <a:cs typeface="Arial MT"/>
                 <a:hlinkClick r:id="rId2"/>
               </a:rPr>
-              <a:t>https://</a:t>
-            </a:r>
-            <a:r>
-              <a:rPr lang="en-US" sz="2000" u="sng" spc="-10" dirty="0" smtClean="0">
-                <a:solidFill>
-                  <a:srgbClr val="0462C1"/>
-                </a:solidFill>
-                <a:uFill>
-                  <a:solidFill>
-                    <a:srgbClr val="0462C1"/>
-                  </a:solidFill>
-                </a:uFill>
-                <a:latin typeface="Arial MT"/>
-                <a:cs typeface="Arial MT"/>
-                <a:hlinkClick r:id="rId2"/>
-              </a:rPr>
-              <a:t>afathelbab.github.io/cnpc/computer-basics-soft-skills/day2/quiz.html</a:t>
+              <a:t>https://afathelbab.github.io/cnpc/computer-basics-soft-skills/day2/quiz.html</a:t>
             </a:r>
             <a:endParaRPr sz="2000" dirty="0">
               <a:latin typeface="Arial MT"/>
@@ -10961,7 +10368,6 @@
               <a:rPr lang="en-US" sz="5400" dirty="0"/>
               <a:t>Excel Essentials</a:t>
             </a:r>
-            <a:endParaRPr lang="en-US" sz="5400" dirty="0"/>
           </a:p>
         </p:txBody>
       </p:sp>
@@ -11085,13 +10491,8 @@
           <a:p>
             <a:r>
               <a:rPr lang="en-US" sz="2800" dirty="0"/>
-              <a:t>Module 1: </a:t>
-            </a:r>
-            <a:r>
-              <a:rPr lang="en-US" sz="2800" dirty="0"/>
-              <a:t>Excel Essentials</a:t>
-            </a:r>
-            <a:endParaRPr lang="en-US" sz="2800" dirty="0"/>
+              <a:t>Module 1: Excel Essentials</a:t>
+            </a:r>
           </a:p>
         </p:txBody>
       </p:sp>
@@ -11159,11 +10560,6 @@
               </a:rPr>
               <a:t>What is Excel For?</a:t>
             </a:r>
-            <a:endParaRPr lang="en-US" b="1" dirty="0" smtClean="0">
-              <a:solidFill>
-                <a:srgbClr val="C00000"/>
-              </a:solidFill>
-            </a:endParaRPr>
           </a:p>
           <a:p>
             <a:endParaRPr lang="ar-EG" dirty="0"/>
@@ -11246,7 +10642,6 @@
               <a:rPr lang="en-US" dirty="0" smtClean="0"/>
               <a:t>Visualizing trends</a:t>
             </a:r>
-            <a:endParaRPr lang="en-US" dirty="0" smtClean="0"/>
           </a:p>
           <a:p>
             <a:endParaRPr lang="ar-EG" dirty="0"/>
@@ -11371,13 +10766,8 @@
           <a:p>
             <a:r>
               <a:rPr lang="en-US" sz="2800" dirty="0"/>
-              <a:t>Module 1: </a:t>
-            </a:r>
-            <a:r>
-              <a:rPr lang="en-US" sz="2800" dirty="0"/>
-              <a:t>Excel Essentials</a:t>
-            </a:r>
-            <a:endParaRPr lang="en-US" sz="2800" dirty="0"/>
+              <a:t>Module 1: Excel Essentials</a:t>
+            </a:r>
           </a:p>
         </p:txBody>
       </p:sp>
@@ -11805,13 +11195,8 @@
           <a:p>
             <a:r>
               <a:rPr lang="en-US" sz="2800" dirty="0"/>
-              <a:t>Module 1: </a:t>
-            </a:r>
-            <a:r>
-              <a:rPr lang="en-US" sz="2800" dirty="0"/>
-              <a:t>Excel Essentials</a:t>
-            </a:r>
-            <a:endParaRPr lang="en-US" sz="2800" dirty="0"/>
+              <a:t>Module 1: Excel Essentials</a:t>
+            </a:r>
           </a:p>
         </p:txBody>
       </p:sp>

--- a/computer-basics-soft-skills/day2/Computer Skills and Soft Skills - Lec-2.pptx
+++ b/computer-basics-soft-skills/day2/Computer Skills and Soft Skills - Lec-2.pptx
@@ -1741,7 +1741,7 @@
           <p:nvPr userDrawn="1">
             <p:extLst>
               <p:ext uri="{1162E1C5-73C7-4A58-AE30-91384D911F3F}">
-                <p184:classification xmlns:p184="http://schemas.microsoft.com/office/powerpoint/2018/4/main" xmlns="" val="ftr"/>
+                <p184:classification xmlns="" xmlns:p184="http://schemas.microsoft.com/office/powerpoint/2018/4/main" val="ftr"/>
               </p:ext>
             </p:extLst>
           </p:nvPr>
@@ -9256,7 +9256,7 @@
         <p:spPr>
           <a:xfrm>
             <a:off x="380623" y="1805202"/>
-            <a:ext cx="9220577" cy="4757071"/>
+            <a:ext cx="10896977" cy="3525965"/>
           </a:xfrm>
           <a:prstGeom prst="rect">
             <a:avLst/>
@@ -9675,7 +9675,7 @@
         </p:blipFill>
         <p:spPr>
           <a:xfrm>
-            <a:off x="9430165" y="1249680"/>
+            <a:off x="9601200" y="2286000"/>
             <a:ext cx="2410147" cy="1581150"/>
           </a:xfrm>
           <a:prstGeom prst="rect">

--- a/computer-basics-soft-skills/day2/Computer Skills and Soft Skills - Lec-2.pptx
+++ b/computer-basics-soft-skills/day2/Computer Skills and Soft Skills - Lec-2.pptx
@@ -211,7 +211,7 @@
           <a:p>
             <a:fld id="{1D8BD707-D9CF-40AE-B4C6-C98DA3205C09}" type="datetimeFigureOut">
               <a:rPr lang="en-US"/>
-              <a:t>11/2/2025</a:t>
+              <a:t>11/3/2025</a:t>
             </a:fld>
             <a:endParaRPr lang="en-US"/>
           </a:p>
@@ -394,7 +394,7 @@
           <a:p>
             <a:fld id="{1D8BD707-D9CF-40AE-B4C6-C98DA3205C09}" type="datetimeFigureOut">
               <a:rPr lang="en-US"/>
-              <a:t>11/2/2025</a:t>
+              <a:t>11/3/2025</a:t>
             </a:fld>
             <a:endParaRPr lang="en-US"/>
           </a:p>
@@ -621,7 +621,7 @@
           <a:p>
             <a:fld id="{1D8BD707-D9CF-40AE-B4C6-C98DA3205C09}" type="datetimeFigureOut">
               <a:rPr lang="en-US"/>
-              <a:t>11/2/2025</a:t>
+              <a:t>11/3/2025</a:t>
             </a:fld>
             <a:endParaRPr lang="en-US"/>
           </a:p>
@@ -1036,7 +1036,7 @@
           <a:p>
             <a:fld id="{1D8BD707-D9CF-40AE-B4C6-C98DA3205C09}" type="datetimeFigureOut">
               <a:rPr lang="en-US"/>
-              <a:t>11/2/2025</a:t>
+              <a:t>11/3/2025</a:t>
             </a:fld>
             <a:endParaRPr lang="en-US"/>
           </a:p>
@@ -1168,7 +1168,7 @@
           <a:p>
             <a:fld id="{1D8BD707-D9CF-40AE-B4C6-C98DA3205C09}" type="datetimeFigureOut">
               <a:rPr lang="en-US"/>
-              <a:t>11/2/2025</a:t>
+              <a:t>11/3/2025</a:t>
             </a:fld>
             <a:endParaRPr lang="en-US"/>
           </a:p>
@@ -1674,7 +1674,7 @@
           <a:p>
             <a:fld id="{1D8BD707-D9CF-40AE-B4C6-C98DA3205C09}" type="datetimeFigureOut">
               <a:rPr lang="en-US"/>
-              <a:t>11/2/2025</a:t>
+              <a:t>11/3/2025</a:t>
             </a:fld>
             <a:endParaRPr lang="en-US"/>
           </a:p>
@@ -1741,7 +1741,7 @@
           <p:nvPr userDrawn="1">
             <p:extLst>
               <p:ext uri="{1162E1C5-73C7-4A58-AE30-91384D911F3F}">
-                <p184:classification xmlns="" xmlns:p184="http://schemas.microsoft.com/office/powerpoint/2018/4/main" val="ftr"/>
+                <p184:classification xmlns:p184="http://schemas.microsoft.com/office/powerpoint/2018/4/main" xmlns="" val="ftr"/>
               </p:ext>
             </p:extLst>
           </p:nvPr>
@@ -9319,7 +9319,7 @@
             <a:r>
               <a:rPr lang="en-US" sz="2000" b="1" dirty="0">
                 <a:solidFill>
-                  <a:srgbClr val="585858"/>
+                  <a:srgbClr val="2D5395"/>
                 </a:solidFill>
                 <a:latin typeface="Calibri"/>
                 <a:cs typeface="Calibri"/>
@@ -9329,7 +9329,7 @@
             <a:r>
               <a:rPr lang="en-US" sz="2000" dirty="0">
                 <a:solidFill>
-                  <a:srgbClr val="585858"/>
+                  <a:srgbClr val="2D5395"/>
                 </a:solidFill>
                 <a:latin typeface="Calibri"/>
                 <a:cs typeface="Calibri"/>
@@ -9354,7 +9354,7 @@
             <a:r>
               <a:rPr lang="en-US" sz="2000" b="1" dirty="0">
                 <a:solidFill>
-                  <a:srgbClr val="585858"/>
+                  <a:srgbClr val="2D5395"/>
                 </a:solidFill>
                 <a:latin typeface="Calibri"/>
                 <a:cs typeface="Calibri"/>
@@ -9364,7 +9364,7 @@
             <a:r>
               <a:rPr lang="en-US" sz="2000" dirty="0">
                 <a:solidFill>
-                  <a:srgbClr val="585858"/>
+                  <a:srgbClr val="2D5395"/>
                 </a:solidFill>
                 <a:latin typeface="Calibri"/>
                 <a:cs typeface="Calibri"/>
@@ -9389,7 +9389,7 @@
             <a:r>
               <a:rPr lang="en-US" sz="2000" b="1" dirty="0">
                 <a:solidFill>
-                  <a:srgbClr val="585858"/>
+                  <a:srgbClr val="2D5395"/>
                 </a:solidFill>
                 <a:latin typeface="Calibri"/>
                 <a:cs typeface="Calibri"/>
@@ -9399,7 +9399,7 @@
             <a:r>
               <a:rPr lang="en-US" sz="2000" dirty="0">
                 <a:solidFill>
-                  <a:srgbClr val="585858"/>
+                  <a:srgbClr val="2D5395"/>
                 </a:solidFill>
                 <a:latin typeface="Calibri"/>
                 <a:cs typeface="Calibri"/>
@@ -9599,7 +9599,7 @@
             <a:r>
               <a:rPr lang="en-US" sz="2000" b="1" dirty="0">
                 <a:solidFill>
-                  <a:srgbClr val="585858"/>
+                  <a:srgbClr val="2D5395"/>
                 </a:solidFill>
                 <a:latin typeface="Calibri"/>
                 <a:cs typeface="Calibri"/>
@@ -9609,7 +9609,7 @@
             <a:r>
               <a:rPr lang="en-US" sz="2000" dirty="0">
                 <a:solidFill>
-                  <a:srgbClr val="585858"/>
+                  <a:srgbClr val="2D5395"/>
                 </a:solidFill>
                 <a:latin typeface="Calibri"/>
                 <a:cs typeface="Calibri"/>

--- a/computer-basics-soft-skills/day2/Computer Skills and Soft Skills - Lec-2.pptx
+++ b/computer-basics-soft-skills/day2/Computer Skills and Soft Skills - Lec-2.pptx
@@ -32,7 +32,9 @@
     <p:sldId id="363" r:id="rId26"/>
     <p:sldId id="364" r:id="rId27"/>
     <p:sldId id="351" r:id="rId28"/>
-    <p:sldId id="329" r:id="rId29"/>
+    <p:sldId id="365" r:id="rId29"/>
+    <p:sldId id="366" r:id="rId30"/>
+    <p:sldId id="329" r:id="rId31"/>
   </p:sldIdLst>
   <p:sldSz cx="12192000" cy="6858000"/>
   <p:notesSz cx="12192000" cy="6858000"/>
@@ -2239,7 +2241,7 @@
               </a:rPr>
               <a:t>S.A.</a:t>
             </a:r>
-            <a:endParaRPr sz="2400"/>
+            <a:endParaRPr sz="2400" dirty="0"/>
           </a:p>
         </p:txBody>
       </p:sp>
@@ -7702,6 +7704,1089 @@
 </file>
 
 <file path=ppt/slides/slide28.xml><?xml version="1.0" encoding="utf-8"?>
+<p:sld xmlns:a="http://schemas.openxmlformats.org/drawingml/2006/main" xmlns:r="http://schemas.openxmlformats.org/officeDocument/2006/relationships" xmlns:p="http://schemas.openxmlformats.org/presentationml/2006/main">
+  <p:cSld>
+    <p:spTree>
+      <p:nvGrpSpPr>
+        <p:cNvPr id="1" name=""/>
+        <p:cNvGrpSpPr/>
+        <p:nvPr/>
+      </p:nvGrpSpPr>
+      <p:grpSpPr>
+        <a:xfrm>
+          <a:off x="0" y="0"/>
+          <a:ext cx="0" cy="0"/>
+          <a:chOff x="0" y="0"/>
+          <a:chExt cx="0" cy="0"/>
+        </a:xfrm>
+      </p:grpSpPr>
+      <p:sp>
+        <p:nvSpPr>
+          <p:cNvPr id="2" name="object 2"/>
+          <p:cNvSpPr txBox="1">
+            <a:spLocks noGrp="1"/>
+          </p:cNvSpPr>
+          <p:nvPr>
+            <p:ph type="title"/>
+          </p:nvPr>
+        </p:nvSpPr>
+        <p:spPr>
+          <a:xfrm>
+            <a:off x="2133600" y="2549098"/>
+            <a:ext cx="7467600" cy="1908933"/>
+          </a:xfrm>
+          <a:prstGeom prst="rect">
+            <a:avLst/>
+          </a:prstGeom>
+        </p:spPr>
+        <p:txBody>
+          <a:bodyPr vert="horz" wrap="square" lIns="0" tIns="244551" rIns="0" bIns="0" rtlCol="0" anchor="ctr">
+            <a:spAutoFit/>
+          </a:bodyPr>
+          <a:lstStyle/>
+          <a:p>
+            <a:pPr algn="ctr"/>
+            <a:r>
+              <a:rPr lang="en-US" sz="5400" dirty="0" smtClean="0"/>
+              <a:t>Workshop</a:t>
+            </a:r>
+            <a:r>
+              <a:rPr lang="en-US" sz="5400" dirty="0"/>
+              <a:t/>
+            </a:r>
+            <a:br>
+              <a:rPr lang="en-US" sz="5400" dirty="0"/>
+            </a:br>
+            <a:endParaRPr lang="en-US" sz="5400" dirty="0"/>
+          </a:p>
+        </p:txBody>
+      </p:sp>
+      <p:sp>
+        <p:nvSpPr>
+          <p:cNvPr id="5" name="object 5"/>
+          <p:cNvSpPr txBox="1">
+            <a:spLocks noGrp="1"/>
+          </p:cNvSpPr>
+          <p:nvPr>
+            <p:ph type="sldNum" sz="quarter" idx="7"/>
+          </p:nvPr>
+        </p:nvSpPr>
+        <p:spPr>
+          <a:prstGeom prst="rect">
+            <a:avLst/>
+          </a:prstGeom>
+        </p:spPr>
+        <p:txBody>
+          <a:bodyPr vert="horz" wrap="square" lIns="0" tIns="0" rIns="0" bIns="0" rtlCol="0">
+            <a:spAutoFit/>
+          </a:bodyPr>
+          <a:lstStyle/>
+          <a:p>
+            <a:pPr marL="38100">
+              <a:lnSpc>
+                <a:spcPts val="1310"/>
+              </a:lnSpc>
+            </a:pPr>
+            <a:fld id="{81D60167-4931-47E6-BA6A-407CBD079E47}" type="slidenum">
+              <a:rPr spc="-25" dirty="0"/>
+              <a:t>28</a:t>
+            </a:fld>
+            <a:endParaRPr spc="-25" dirty="0"/>
+          </a:p>
+        </p:txBody>
+      </p:sp>
+    </p:spTree>
+    <p:extLst>
+      <p:ext uri="{BB962C8B-B14F-4D97-AF65-F5344CB8AC3E}">
+        <p14:creationId xmlns:p14="http://schemas.microsoft.com/office/powerpoint/2010/main" val="365456357"/>
+      </p:ext>
+    </p:extLst>
+  </p:cSld>
+  <p:clrMapOvr>
+    <a:masterClrMapping/>
+  </p:clrMapOvr>
+  <p:timing>
+    <p:tnLst>
+      <p:par>
+        <p:cTn id="1" dur="indefinite" restart="never" nodeType="tmRoot"/>
+      </p:par>
+    </p:tnLst>
+  </p:timing>
+</p:sld>
+</file>
+
+<file path=ppt/slides/slide29.xml><?xml version="1.0" encoding="utf-8"?>
+<p:sld xmlns:a="http://schemas.openxmlformats.org/drawingml/2006/main" xmlns:r="http://schemas.openxmlformats.org/officeDocument/2006/relationships" xmlns:p="http://schemas.openxmlformats.org/presentationml/2006/main">
+  <p:cSld>
+    <p:spTree>
+      <p:nvGrpSpPr>
+        <p:cNvPr id="1" name=""/>
+        <p:cNvGrpSpPr/>
+        <p:nvPr/>
+      </p:nvGrpSpPr>
+      <p:grpSpPr>
+        <a:xfrm>
+          <a:off x="0" y="0"/>
+          <a:ext cx="0" cy="0"/>
+          <a:chOff x="0" y="0"/>
+          <a:chExt cx="0" cy="0"/>
+        </a:xfrm>
+      </p:grpSpPr>
+      <p:pic>
+        <p:nvPicPr>
+          <p:cNvPr id="2" name="object 2"/>
+          <p:cNvPicPr/>
+          <p:nvPr/>
+        </p:nvPicPr>
+        <p:blipFill>
+          <a:blip r:embed="rId2" cstate="print"/>
+          <a:stretch>
+            <a:fillRect/>
+          </a:stretch>
+        </p:blipFill>
+        <p:spPr>
+          <a:xfrm>
+            <a:off x="758235" y="239637"/>
+            <a:ext cx="464730" cy="514995"/>
+          </a:xfrm>
+          <a:prstGeom prst="rect">
+            <a:avLst/>
+          </a:prstGeom>
+        </p:spPr>
+      </p:pic>
+      <p:sp>
+        <p:nvSpPr>
+          <p:cNvPr id="3" name="object 3"/>
+          <p:cNvSpPr txBox="1">
+            <a:spLocks noGrp="1"/>
+          </p:cNvSpPr>
+          <p:nvPr>
+            <p:ph type="title"/>
+          </p:nvPr>
+        </p:nvSpPr>
+        <p:spPr>
+          <a:xfrm>
+            <a:off x="1447800" y="76806"/>
+            <a:ext cx="6781800" cy="677826"/>
+          </a:xfrm>
+          <a:prstGeom prst="rect">
+            <a:avLst/>
+          </a:prstGeom>
+        </p:spPr>
+        <p:txBody>
+          <a:bodyPr vert="horz" wrap="square" lIns="0" tIns="244551" rIns="0" bIns="0" rtlCol="0">
+            <a:spAutoFit/>
+          </a:bodyPr>
+          <a:lstStyle/>
+          <a:p>
+            <a:r>
+              <a:rPr lang="en-US" sz="2800" dirty="0" smtClean="0"/>
+              <a:t>Workshop</a:t>
+            </a:r>
+            <a:endParaRPr lang="en-US" sz="2800" dirty="0"/>
+          </a:p>
+        </p:txBody>
+      </p:sp>
+      <p:sp>
+        <p:nvSpPr>
+          <p:cNvPr id="5" name="object 5"/>
+          <p:cNvSpPr txBox="1">
+            <a:spLocks noGrp="1"/>
+          </p:cNvSpPr>
+          <p:nvPr>
+            <p:ph type="sldNum" sz="quarter" idx="7"/>
+          </p:nvPr>
+        </p:nvSpPr>
+        <p:spPr>
+          <a:prstGeom prst="rect">
+            <a:avLst/>
+          </a:prstGeom>
+        </p:spPr>
+        <p:txBody>
+          <a:bodyPr vert="horz" wrap="square" lIns="0" tIns="0" rIns="0" bIns="0" rtlCol="0">
+            <a:spAutoFit/>
+          </a:bodyPr>
+          <a:lstStyle/>
+          <a:p>
+            <a:pPr marL="38100">
+              <a:lnSpc>
+                <a:spcPts val="1310"/>
+              </a:lnSpc>
+            </a:pPr>
+            <a:fld id="{81D60167-4931-47E6-BA6A-407CBD079E47}" type="slidenum">
+              <a:rPr spc="-25" dirty="0"/>
+              <a:t>29</a:t>
+            </a:fld>
+            <a:endParaRPr spc="-25" dirty="0"/>
+          </a:p>
+        </p:txBody>
+      </p:sp>
+      <p:pic>
+        <p:nvPicPr>
+          <p:cNvPr id="7" name="Picture 6"/>
+          <p:cNvPicPr>
+            <a:picLocks noChangeAspect="1"/>
+          </p:cNvPicPr>
+          <p:nvPr/>
+        </p:nvPicPr>
+        <p:blipFill>
+          <a:blip r:embed="rId3">
+            <a:extLst>
+              <a:ext uri="{28A0092B-C50C-407E-A947-70E740481C1C}">
+                <a14:useLocalDpi xmlns:a14="http://schemas.microsoft.com/office/drawing/2010/main" val="0"/>
+              </a:ext>
+            </a:extLst>
+          </a:blip>
+          <a:stretch>
+            <a:fillRect/>
+          </a:stretch>
+        </p:blipFill>
+        <p:spPr>
+          <a:xfrm>
+            <a:off x="609600" y="1447800"/>
+            <a:ext cx="6477000" cy="4655344"/>
+          </a:xfrm>
+          <a:prstGeom prst="rect">
+            <a:avLst/>
+          </a:prstGeom>
+        </p:spPr>
+      </p:pic>
+      <p:pic>
+        <p:nvPicPr>
+          <p:cNvPr id="10" name="Picture 9"/>
+          <p:cNvPicPr>
+            <a:picLocks noChangeAspect="1"/>
+          </p:cNvPicPr>
+          <p:nvPr/>
+        </p:nvPicPr>
+        <p:blipFill>
+          <a:blip r:embed="rId4">
+            <a:extLst>
+              <a:ext uri="{28A0092B-C50C-407E-A947-70E740481C1C}">
+                <a14:useLocalDpi xmlns:a14="http://schemas.microsoft.com/office/drawing/2010/main" val="0"/>
+              </a:ext>
+            </a:extLst>
+          </a:blip>
+          <a:stretch>
+            <a:fillRect/>
+          </a:stretch>
+        </p:blipFill>
+        <p:spPr>
+          <a:xfrm>
+            <a:off x="7086600" y="1219200"/>
+            <a:ext cx="4648200" cy="4648200"/>
+          </a:xfrm>
+          <a:prstGeom prst="rect">
+            <a:avLst/>
+          </a:prstGeom>
+        </p:spPr>
+      </p:pic>
+      <p:sp>
+        <p:nvSpPr>
+          <p:cNvPr id="11" name="TextBox 10"/>
+          <p:cNvSpPr txBox="1"/>
+          <p:nvPr/>
+        </p:nvSpPr>
+        <p:spPr>
+          <a:xfrm>
+            <a:off x="7696200" y="5867400"/>
+            <a:ext cx="3886200" cy="646331"/>
+          </a:xfrm>
+          <a:prstGeom prst="rect">
+            <a:avLst/>
+          </a:prstGeom>
+          <a:noFill/>
+        </p:spPr>
+        <p:txBody>
+          <a:bodyPr wrap="square" rtlCol="1">
+            <a:spAutoFit/>
+          </a:bodyPr>
+          <a:lstStyle/>
+          <a:p>
+            <a:r>
+              <a:rPr lang="en-US" dirty="0" smtClean="0">
+                <a:hlinkClick r:id="rId5"/>
+              </a:rPr>
+              <a:t>https://afathelbab.github.io/cnpc/computer-basics-soft-skills/workshops/</a:t>
+            </a:r>
+            <a:endParaRPr lang="ar-EG" dirty="0"/>
+          </a:p>
+        </p:txBody>
+      </p:sp>
+    </p:spTree>
+    <p:extLst>
+      <p:ext uri="{BB962C8B-B14F-4D97-AF65-F5344CB8AC3E}">
+        <p14:creationId xmlns:p14="http://schemas.microsoft.com/office/powerpoint/2010/main" val="2672644907"/>
+      </p:ext>
+    </p:extLst>
+  </p:cSld>
+  <p:clrMapOvr>
+    <a:masterClrMapping/>
+  </p:clrMapOvr>
+  <p:timing>
+    <p:tnLst>
+      <p:par>
+        <p:cTn id="1" dur="indefinite" restart="never" nodeType="tmRoot"/>
+      </p:par>
+    </p:tnLst>
+  </p:timing>
+</p:sld>
+</file>
+
+<file path=ppt/slides/slide3.xml><?xml version="1.0" encoding="utf-8"?>
+<p:sld xmlns:a="http://schemas.openxmlformats.org/drawingml/2006/main" xmlns:r="http://schemas.openxmlformats.org/officeDocument/2006/relationships" xmlns:p="http://schemas.openxmlformats.org/presentationml/2006/main">
+  <p:cSld>
+    <p:spTree>
+      <p:nvGrpSpPr>
+        <p:cNvPr id="1" name=""/>
+        <p:cNvGrpSpPr/>
+        <p:nvPr/>
+      </p:nvGrpSpPr>
+      <p:grpSpPr>
+        <a:xfrm>
+          <a:off x="0" y="0"/>
+          <a:ext cx="0" cy="0"/>
+          <a:chOff x="0" y="0"/>
+          <a:chExt cx="0" cy="0"/>
+        </a:xfrm>
+      </p:grpSpPr>
+      <p:sp>
+        <p:nvSpPr>
+          <p:cNvPr id="2" name="object 2"/>
+          <p:cNvSpPr txBox="1">
+            <a:spLocks noGrp="1"/>
+          </p:cNvSpPr>
+          <p:nvPr>
+            <p:ph type="title"/>
+          </p:nvPr>
+        </p:nvSpPr>
+        <p:spPr>
+          <a:prstGeom prst="rect">
+            <a:avLst/>
+          </a:prstGeom>
+        </p:spPr>
+        <p:txBody>
+          <a:bodyPr vert="horz" wrap="square" lIns="0" tIns="204088" rIns="0" bIns="0" rtlCol="0">
+            <a:spAutoFit/>
+          </a:bodyPr>
+          <a:lstStyle/>
+          <a:p>
+            <a:pPr marL="175895">
+              <a:lnSpc>
+                <a:spcPct val="100000"/>
+              </a:lnSpc>
+              <a:spcBef>
+                <a:spcPts val="95"/>
+              </a:spcBef>
+            </a:pPr>
+            <a:r>
+              <a:rPr sz="2800" spc="-10" dirty="0"/>
+              <a:t>Training</a:t>
+            </a:r>
+            <a:r>
+              <a:rPr sz="2800" spc="-180" dirty="0"/>
+              <a:t> </a:t>
+            </a:r>
+            <a:r>
+              <a:rPr sz="2800" spc="-10" dirty="0"/>
+              <a:t>Objectives</a:t>
+            </a:r>
+            <a:endParaRPr sz="2800"/>
+          </a:p>
+        </p:txBody>
+      </p:sp>
+      <p:sp>
+        <p:nvSpPr>
+          <p:cNvPr id="3" name="object 3"/>
+          <p:cNvSpPr txBox="1"/>
+          <p:nvPr/>
+        </p:nvSpPr>
+        <p:spPr>
+          <a:xfrm>
+            <a:off x="402742" y="1102308"/>
+            <a:ext cx="5986145" cy="331470"/>
+          </a:xfrm>
+          <a:prstGeom prst="rect">
+            <a:avLst/>
+          </a:prstGeom>
+        </p:spPr>
+        <p:txBody>
+          <a:bodyPr vert="horz" wrap="square" lIns="0" tIns="13335" rIns="0" bIns="0" rtlCol="0">
+            <a:spAutoFit/>
+          </a:bodyPr>
+          <a:lstStyle/>
+          <a:p>
+            <a:pPr marL="12700">
+              <a:lnSpc>
+                <a:spcPct val="100000"/>
+              </a:lnSpc>
+              <a:spcBef>
+                <a:spcPts val="105"/>
+              </a:spcBef>
+            </a:pPr>
+            <a:r>
+              <a:rPr sz="2000" b="1" dirty="0">
+                <a:solidFill>
+                  <a:srgbClr val="C00000"/>
+                </a:solidFill>
+                <a:latin typeface="Arial"/>
+                <a:cs typeface="Arial"/>
+              </a:rPr>
+              <a:t>After</a:t>
+            </a:r>
+            <a:r>
+              <a:rPr sz="2000" b="1" spc="-55" dirty="0">
+                <a:solidFill>
+                  <a:srgbClr val="C00000"/>
+                </a:solidFill>
+                <a:latin typeface="Arial"/>
+                <a:cs typeface="Arial"/>
+              </a:rPr>
+              <a:t> </a:t>
+            </a:r>
+            <a:r>
+              <a:rPr sz="2000" b="1" dirty="0">
+                <a:solidFill>
+                  <a:srgbClr val="C00000"/>
+                </a:solidFill>
+                <a:latin typeface="Arial"/>
+                <a:cs typeface="Arial"/>
+              </a:rPr>
+              <a:t>finalizing</a:t>
+            </a:r>
+            <a:r>
+              <a:rPr sz="2000" b="1" spc="-50" dirty="0">
+                <a:solidFill>
+                  <a:srgbClr val="C00000"/>
+                </a:solidFill>
+                <a:latin typeface="Arial"/>
+                <a:cs typeface="Arial"/>
+              </a:rPr>
+              <a:t> </a:t>
+            </a:r>
+            <a:r>
+              <a:rPr sz="2000" b="1" dirty="0">
+                <a:solidFill>
+                  <a:srgbClr val="C00000"/>
+                </a:solidFill>
+                <a:latin typeface="Arial"/>
+                <a:cs typeface="Arial"/>
+              </a:rPr>
+              <a:t>this</a:t>
+            </a:r>
+            <a:r>
+              <a:rPr sz="2000" b="1" spc="-40" dirty="0">
+                <a:solidFill>
+                  <a:srgbClr val="C00000"/>
+                </a:solidFill>
+                <a:latin typeface="Arial"/>
+                <a:cs typeface="Arial"/>
+              </a:rPr>
+              <a:t> </a:t>
+            </a:r>
+            <a:r>
+              <a:rPr sz="2000" b="1" dirty="0">
+                <a:solidFill>
+                  <a:srgbClr val="C00000"/>
+                </a:solidFill>
+                <a:latin typeface="Arial"/>
+                <a:cs typeface="Arial"/>
+              </a:rPr>
+              <a:t>training</a:t>
+            </a:r>
+            <a:r>
+              <a:rPr sz="2000" b="1" spc="-50" dirty="0">
+                <a:solidFill>
+                  <a:srgbClr val="C00000"/>
+                </a:solidFill>
+                <a:latin typeface="Arial"/>
+                <a:cs typeface="Arial"/>
+              </a:rPr>
+              <a:t> </a:t>
+            </a:r>
+            <a:r>
+              <a:rPr sz="2000" b="1" dirty="0">
+                <a:solidFill>
+                  <a:srgbClr val="C00000"/>
+                </a:solidFill>
+                <a:latin typeface="Arial"/>
+                <a:cs typeface="Arial"/>
+              </a:rPr>
+              <a:t>you</a:t>
+            </a:r>
+            <a:r>
+              <a:rPr sz="2000" b="1" spc="10" dirty="0">
+                <a:solidFill>
+                  <a:srgbClr val="C00000"/>
+                </a:solidFill>
+                <a:latin typeface="Arial"/>
+                <a:cs typeface="Arial"/>
+              </a:rPr>
+              <a:t> </a:t>
+            </a:r>
+            <a:r>
+              <a:rPr sz="2000" b="1" dirty="0">
+                <a:solidFill>
+                  <a:srgbClr val="C00000"/>
+                </a:solidFill>
+                <a:latin typeface="Arial"/>
+                <a:cs typeface="Arial"/>
+              </a:rPr>
+              <a:t>should</a:t>
+            </a:r>
+            <a:r>
+              <a:rPr sz="2000" b="1" spc="-35" dirty="0">
+                <a:solidFill>
+                  <a:srgbClr val="C00000"/>
+                </a:solidFill>
+                <a:latin typeface="Arial"/>
+                <a:cs typeface="Arial"/>
+              </a:rPr>
+              <a:t> </a:t>
+            </a:r>
+            <a:r>
+              <a:rPr sz="2000" b="1" dirty="0">
+                <a:solidFill>
+                  <a:srgbClr val="C00000"/>
+                </a:solidFill>
+                <a:latin typeface="Arial"/>
+                <a:cs typeface="Arial"/>
+              </a:rPr>
+              <a:t>be</a:t>
+            </a:r>
+            <a:r>
+              <a:rPr sz="2000" b="1" spc="-25" dirty="0">
+                <a:solidFill>
+                  <a:srgbClr val="C00000"/>
+                </a:solidFill>
+                <a:latin typeface="Arial"/>
+                <a:cs typeface="Arial"/>
+              </a:rPr>
+              <a:t> </a:t>
+            </a:r>
+            <a:r>
+              <a:rPr sz="2000" b="1" dirty="0">
+                <a:solidFill>
+                  <a:srgbClr val="C00000"/>
+                </a:solidFill>
+                <a:latin typeface="Arial"/>
+                <a:cs typeface="Arial"/>
+              </a:rPr>
+              <a:t>able</a:t>
+            </a:r>
+            <a:r>
+              <a:rPr sz="2000" b="1" spc="-35" dirty="0">
+                <a:solidFill>
+                  <a:srgbClr val="C00000"/>
+                </a:solidFill>
+                <a:latin typeface="Arial"/>
+                <a:cs typeface="Arial"/>
+              </a:rPr>
+              <a:t> </a:t>
+            </a:r>
+            <a:r>
+              <a:rPr sz="2000" b="1" spc="-25" dirty="0">
+                <a:solidFill>
+                  <a:srgbClr val="C00000"/>
+                </a:solidFill>
+                <a:latin typeface="Arial"/>
+                <a:cs typeface="Arial"/>
+              </a:rPr>
+              <a:t>to</a:t>
+            </a:r>
+            <a:endParaRPr sz="2000" dirty="0">
+              <a:latin typeface="Arial"/>
+              <a:cs typeface="Arial"/>
+            </a:endParaRPr>
+          </a:p>
+        </p:txBody>
+      </p:sp>
+      <p:sp>
+        <p:nvSpPr>
+          <p:cNvPr id="4" name="object 4"/>
+          <p:cNvSpPr txBox="1"/>
+          <p:nvPr/>
+        </p:nvSpPr>
+        <p:spPr>
+          <a:xfrm>
+            <a:off x="380623" y="1805202"/>
+            <a:ext cx="10896977" cy="3525965"/>
+          </a:xfrm>
+          <a:prstGeom prst="rect">
+            <a:avLst/>
+          </a:prstGeom>
+        </p:spPr>
+        <p:txBody>
+          <a:bodyPr vert="horz" wrap="square" lIns="0" tIns="12065" rIns="0" bIns="0" rtlCol="0">
+            <a:spAutoFit/>
+          </a:bodyPr>
+          <a:lstStyle/>
+          <a:p>
+            <a:pPr marL="354965" indent="-342265">
+              <a:lnSpc>
+                <a:spcPct val="100000"/>
+              </a:lnSpc>
+              <a:spcBef>
+                <a:spcPts val="95"/>
+              </a:spcBef>
+              <a:buFont typeface="Wingdings"/>
+              <a:buChar char=""/>
+              <a:tabLst>
+                <a:tab pos="354965" algn="l"/>
+              </a:tabLst>
+            </a:pPr>
+            <a:r>
+              <a:rPr lang="en-US" sz="2000" b="1" dirty="0">
+                <a:solidFill>
+                  <a:srgbClr val="00B050"/>
+                </a:solidFill>
+                <a:latin typeface="Calibri"/>
+                <a:cs typeface="Calibri"/>
+              </a:rPr>
+              <a:t>Computer Hardware</a:t>
+            </a:r>
+            <a:r>
+              <a:rPr lang="en-US" sz="2000" dirty="0">
+                <a:solidFill>
+                  <a:srgbClr val="00B050"/>
+                </a:solidFill>
+                <a:latin typeface="Calibri"/>
+                <a:cs typeface="Calibri"/>
+              </a:rPr>
+              <a:t>: Identify components, connect peripherals, and perform basic troubleshooting.</a:t>
+            </a:r>
+          </a:p>
+          <a:p>
+            <a:pPr marL="354965" indent="-342265">
+              <a:lnSpc>
+                <a:spcPct val="100000"/>
+              </a:lnSpc>
+              <a:spcBef>
+                <a:spcPts val="95"/>
+              </a:spcBef>
+              <a:buFont typeface="Wingdings"/>
+              <a:buChar char=""/>
+              <a:tabLst>
+                <a:tab pos="354965" algn="l"/>
+              </a:tabLst>
+            </a:pPr>
+            <a:r>
+              <a:rPr lang="en-US" sz="2000" b="1" dirty="0">
+                <a:solidFill>
+                  <a:srgbClr val="2D5395"/>
+                </a:solidFill>
+                <a:latin typeface="Calibri"/>
+                <a:cs typeface="Calibri"/>
+              </a:rPr>
+              <a:t>Excel</a:t>
+            </a:r>
+            <a:r>
+              <a:rPr lang="en-US" sz="2000" dirty="0">
+                <a:solidFill>
+                  <a:srgbClr val="2D5395"/>
+                </a:solidFill>
+                <a:latin typeface="Calibri"/>
+                <a:cs typeface="Calibri"/>
+              </a:rPr>
+              <a:t>: Use essential formulas, sort/filter data, and create basic charts.</a:t>
+            </a:r>
+          </a:p>
+          <a:p>
+            <a:pPr marL="354965" indent="-342265">
+              <a:lnSpc>
+                <a:spcPct val="100000"/>
+              </a:lnSpc>
+              <a:spcBef>
+                <a:spcPts val="95"/>
+              </a:spcBef>
+              <a:buFont typeface="Wingdings"/>
+              <a:buChar char=""/>
+              <a:tabLst>
+                <a:tab pos="354965" algn="l"/>
+              </a:tabLst>
+            </a:pPr>
+            <a:r>
+              <a:rPr lang="en-US" sz="2000" b="1" dirty="0">
+                <a:solidFill>
+                  <a:srgbClr val="2D5395"/>
+                </a:solidFill>
+                <a:latin typeface="Calibri"/>
+                <a:cs typeface="Calibri"/>
+              </a:rPr>
+              <a:t>PowerPoint</a:t>
+            </a:r>
+            <a:r>
+              <a:rPr lang="en-US" sz="2000" dirty="0">
+                <a:solidFill>
+                  <a:srgbClr val="2D5395"/>
+                </a:solidFill>
+                <a:latin typeface="Calibri"/>
+                <a:cs typeface="Calibri"/>
+              </a:rPr>
+              <a:t>: Create clean, professional slides and insert objects (images, charts).</a:t>
+            </a:r>
+          </a:p>
+          <a:p>
+            <a:pPr marL="354965" indent="-342265">
+              <a:lnSpc>
+                <a:spcPct val="100000"/>
+              </a:lnSpc>
+              <a:spcBef>
+                <a:spcPts val="95"/>
+              </a:spcBef>
+              <a:buFont typeface="Wingdings"/>
+              <a:buChar char=""/>
+              <a:tabLst>
+                <a:tab pos="354965" algn="l"/>
+              </a:tabLst>
+            </a:pPr>
+            <a:r>
+              <a:rPr lang="en-US" sz="2000" b="1" dirty="0">
+                <a:solidFill>
+                  <a:srgbClr val="2D5395"/>
+                </a:solidFill>
+                <a:latin typeface="Calibri"/>
+                <a:cs typeface="Calibri"/>
+              </a:rPr>
+              <a:t>Word</a:t>
+            </a:r>
+            <a:r>
+              <a:rPr lang="en-US" sz="2000" dirty="0">
+                <a:solidFill>
+                  <a:srgbClr val="2D5395"/>
+                </a:solidFill>
+                <a:latin typeface="Calibri"/>
+                <a:cs typeface="Calibri"/>
+              </a:rPr>
+              <a:t>: Apply consistent formatting (styles, headers) and use Track Changes.</a:t>
+            </a:r>
+          </a:p>
+          <a:p>
+            <a:pPr marL="354965" indent="-342265">
+              <a:lnSpc>
+                <a:spcPct val="100000"/>
+              </a:lnSpc>
+              <a:spcBef>
+                <a:spcPts val="95"/>
+              </a:spcBef>
+              <a:buFont typeface="Wingdings"/>
+              <a:buChar char=""/>
+              <a:tabLst>
+                <a:tab pos="354965" algn="l"/>
+              </a:tabLst>
+            </a:pPr>
+            <a:r>
+              <a:rPr lang="en-US" sz="2000" b="1" dirty="0">
+                <a:solidFill>
+                  <a:srgbClr val="00B050"/>
+                </a:solidFill>
+                <a:latin typeface="Calibri"/>
+                <a:cs typeface="Calibri"/>
+              </a:rPr>
+              <a:t>Outlook</a:t>
+            </a:r>
+            <a:r>
+              <a:rPr lang="en-US" sz="2000" dirty="0">
+                <a:solidFill>
+                  <a:srgbClr val="00B050"/>
+                </a:solidFill>
+                <a:latin typeface="Calibri"/>
+                <a:cs typeface="Calibri"/>
+              </a:rPr>
+              <a:t>: Write professional emails, organize their inbox, and manage their calendar.</a:t>
+            </a:r>
+          </a:p>
+          <a:p>
+            <a:pPr marL="354965" indent="-342265">
+              <a:lnSpc>
+                <a:spcPct val="100000"/>
+              </a:lnSpc>
+              <a:spcBef>
+                <a:spcPts val="95"/>
+              </a:spcBef>
+              <a:buFont typeface="Wingdings"/>
+              <a:buChar char=""/>
+              <a:tabLst>
+                <a:tab pos="354965" algn="l"/>
+              </a:tabLst>
+            </a:pPr>
+            <a:r>
+              <a:rPr lang="en-US" sz="2000" b="1" dirty="0">
+                <a:solidFill>
+                  <a:srgbClr val="585858"/>
+                </a:solidFill>
+                <a:latin typeface="Calibri"/>
+                <a:cs typeface="Calibri"/>
+              </a:rPr>
+              <a:t>ERP</a:t>
+            </a:r>
+            <a:r>
+              <a:rPr lang="en-US" sz="2000" dirty="0">
+                <a:solidFill>
+                  <a:srgbClr val="585858"/>
+                </a:solidFill>
+                <a:latin typeface="Calibri"/>
+                <a:cs typeface="Calibri"/>
+              </a:rPr>
+              <a:t>: Define what an ERP system is and explain its purpose in the business.</a:t>
+            </a:r>
+          </a:p>
+          <a:p>
+            <a:pPr marL="354965" indent="-342265">
+              <a:lnSpc>
+                <a:spcPct val="100000"/>
+              </a:lnSpc>
+              <a:spcBef>
+                <a:spcPts val="95"/>
+              </a:spcBef>
+              <a:buFont typeface="Wingdings"/>
+              <a:buChar char=""/>
+              <a:tabLst>
+                <a:tab pos="354965" algn="l"/>
+              </a:tabLst>
+            </a:pPr>
+            <a:r>
+              <a:rPr lang="en-US" sz="2000" b="1" dirty="0">
+                <a:solidFill>
+                  <a:srgbClr val="00B050"/>
+                </a:solidFill>
+                <a:latin typeface="Calibri"/>
+                <a:cs typeface="Calibri"/>
+              </a:rPr>
+              <a:t>Workplace Etiquette</a:t>
+            </a:r>
+            <a:r>
+              <a:rPr lang="en-US" sz="2000" dirty="0">
+                <a:solidFill>
+                  <a:srgbClr val="00B050"/>
+                </a:solidFill>
+                <a:latin typeface="Calibri"/>
+                <a:cs typeface="Calibri"/>
+              </a:rPr>
+              <a:t>: Demonstrate professional conduct in physical and virtual settings.</a:t>
+            </a:r>
+          </a:p>
+          <a:p>
+            <a:pPr marL="354965" indent="-342265">
+              <a:lnSpc>
+                <a:spcPct val="100000"/>
+              </a:lnSpc>
+              <a:spcBef>
+                <a:spcPts val="95"/>
+              </a:spcBef>
+              <a:buFont typeface="Wingdings"/>
+              <a:buChar char=""/>
+              <a:tabLst>
+                <a:tab pos="354965" algn="l"/>
+              </a:tabLst>
+            </a:pPr>
+            <a:r>
+              <a:rPr lang="en-US" sz="2000" b="1" dirty="0">
+                <a:solidFill>
+                  <a:srgbClr val="00B050"/>
+                </a:solidFill>
+                <a:latin typeface="Calibri"/>
+                <a:cs typeface="Calibri"/>
+              </a:rPr>
+              <a:t>Communication</a:t>
+            </a:r>
+            <a:r>
+              <a:rPr lang="en-US" sz="2000" dirty="0">
+                <a:solidFill>
+                  <a:srgbClr val="00B050"/>
+                </a:solidFill>
+                <a:latin typeface="Calibri"/>
+                <a:cs typeface="Calibri"/>
+              </a:rPr>
+              <a:t>: Practice active listening and communicate ideas clearly.</a:t>
+            </a:r>
+          </a:p>
+          <a:p>
+            <a:pPr marL="354965" indent="-342265">
+              <a:lnSpc>
+                <a:spcPct val="100000"/>
+              </a:lnSpc>
+              <a:spcBef>
+                <a:spcPts val="95"/>
+              </a:spcBef>
+              <a:buFont typeface="Wingdings"/>
+              <a:buChar char=""/>
+              <a:tabLst>
+                <a:tab pos="354965" algn="l"/>
+              </a:tabLst>
+            </a:pPr>
+            <a:r>
+              <a:rPr lang="en-US" sz="2000" b="1" dirty="0">
+                <a:solidFill>
+                  <a:srgbClr val="00B050"/>
+                </a:solidFill>
+                <a:latin typeface="Calibri"/>
+                <a:cs typeface="Calibri"/>
+              </a:rPr>
+              <a:t>Professional Ethics</a:t>
+            </a:r>
+            <a:r>
+              <a:rPr lang="en-US" sz="2000" dirty="0">
+                <a:solidFill>
+                  <a:srgbClr val="00B050"/>
+                </a:solidFill>
+                <a:latin typeface="Calibri"/>
+                <a:cs typeface="Calibri"/>
+              </a:rPr>
+              <a:t>: Understand the importance of integrity, confidentiality, and accountability.</a:t>
+            </a:r>
+          </a:p>
+          <a:p>
+            <a:pPr marL="354965" indent="-342265">
+              <a:lnSpc>
+                <a:spcPct val="100000"/>
+              </a:lnSpc>
+              <a:spcBef>
+                <a:spcPts val="95"/>
+              </a:spcBef>
+              <a:buFont typeface="Wingdings"/>
+              <a:buChar char=""/>
+              <a:tabLst>
+                <a:tab pos="354965" algn="l"/>
+              </a:tabLst>
+            </a:pPr>
+            <a:r>
+              <a:rPr lang="en-US" sz="2000" b="1" dirty="0">
+                <a:solidFill>
+                  <a:srgbClr val="2D5395"/>
+                </a:solidFill>
+                <a:latin typeface="Calibri"/>
+                <a:cs typeface="Calibri"/>
+              </a:rPr>
+              <a:t>Time Management</a:t>
+            </a:r>
+            <a:r>
+              <a:rPr lang="en-US" sz="2000" dirty="0">
+                <a:solidFill>
+                  <a:srgbClr val="2D5395"/>
+                </a:solidFill>
+                <a:latin typeface="Calibri"/>
+                <a:cs typeface="Calibri"/>
+              </a:rPr>
+              <a:t>: Prioritize tasks effectively and plan their workday.</a:t>
+            </a:r>
+          </a:p>
+          <a:p>
+            <a:pPr marL="354965" indent="-342265">
+              <a:lnSpc>
+                <a:spcPct val="100000"/>
+              </a:lnSpc>
+              <a:spcBef>
+                <a:spcPts val="95"/>
+              </a:spcBef>
+              <a:buFont typeface="Wingdings"/>
+              <a:buChar char=""/>
+              <a:tabLst>
+                <a:tab pos="354965" algn="l"/>
+              </a:tabLst>
+            </a:pPr>
+            <a:r>
+              <a:rPr lang="en-US" sz="2000" b="1" dirty="0">
+                <a:solidFill>
+                  <a:srgbClr val="585858"/>
+                </a:solidFill>
+                <a:latin typeface="Calibri"/>
+                <a:cs typeface="Calibri"/>
+              </a:rPr>
+              <a:t>Problem Solving</a:t>
+            </a:r>
+            <a:r>
+              <a:rPr lang="en-US" sz="2000" dirty="0">
+                <a:solidFill>
+                  <a:srgbClr val="585858"/>
+                </a:solidFill>
+                <a:latin typeface="Calibri"/>
+                <a:cs typeface="Calibri"/>
+              </a:rPr>
+              <a:t>: Apply a structured approach to identify and solve workplace problems.</a:t>
+            </a:r>
+            <a:endParaRPr sz="2000" dirty="0">
+              <a:solidFill>
+                <a:srgbClr val="585858"/>
+              </a:solidFill>
+              <a:latin typeface="Calibri"/>
+              <a:cs typeface="Calibri"/>
+            </a:endParaRPr>
+          </a:p>
+        </p:txBody>
+      </p:sp>
+      <p:pic>
+        <p:nvPicPr>
+          <p:cNvPr id="5" name="object 5"/>
+          <p:cNvPicPr/>
+          <p:nvPr/>
+        </p:nvPicPr>
+        <p:blipFill>
+          <a:blip r:embed="rId2" cstate="print"/>
+          <a:stretch>
+            <a:fillRect/>
+          </a:stretch>
+        </p:blipFill>
+        <p:spPr>
+          <a:xfrm>
+            <a:off x="9601200" y="2286000"/>
+            <a:ext cx="2410147" cy="1581150"/>
+          </a:xfrm>
+          <a:prstGeom prst="rect">
+            <a:avLst/>
+          </a:prstGeom>
+        </p:spPr>
+      </p:pic>
+      <p:sp>
+        <p:nvSpPr>
+          <p:cNvPr id="6" name="object 6"/>
+          <p:cNvSpPr txBox="1">
+            <a:spLocks noGrp="1"/>
+          </p:cNvSpPr>
+          <p:nvPr>
+            <p:ph type="sldNum" sz="quarter" idx="7"/>
+          </p:nvPr>
+        </p:nvSpPr>
+        <p:spPr>
+          <a:prstGeom prst="rect">
+            <a:avLst/>
+          </a:prstGeom>
+        </p:spPr>
+        <p:txBody>
+          <a:bodyPr vert="horz" wrap="square" lIns="0" tIns="0" rIns="0" bIns="0" rtlCol="0">
+            <a:spAutoFit/>
+          </a:bodyPr>
+          <a:lstStyle/>
+          <a:p>
+            <a:pPr marL="38100">
+              <a:lnSpc>
+                <a:spcPts val="1310"/>
+              </a:lnSpc>
+            </a:pPr>
+            <a:fld id="{81D60167-4931-47E6-BA6A-407CBD079E47}" type="slidenum">
+              <a:rPr spc="-25" dirty="0"/>
+              <a:t>3</a:t>
+            </a:fld>
+            <a:endParaRPr spc="-25" dirty="0"/>
+          </a:p>
+        </p:txBody>
+      </p:sp>
+    </p:spTree>
+  </p:cSld>
+  <p:clrMapOvr>
+    <a:masterClrMapping/>
+  </p:clrMapOvr>
+  <p:timing>
+    <p:tnLst>
+      <p:par>
+        <p:cTn id="1" dur="indefinite" restart="never" nodeType="tmRoot"/>
+      </p:par>
+    </p:tnLst>
+  </p:timing>
+</p:sld>
+</file>
+
+<file path=ppt/slides/slide30.xml><?xml version="1.0" encoding="utf-8"?>
 <p:sld xmlns:a="http://schemas.openxmlformats.org/drawingml/2006/main" xmlns:r="http://schemas.openxmlformats.org/officeDocument/2006/relationships" xmlns:p="http://schemas.openxmlformats.org/presentationml/2006/main">
   <p:cSld>
     <p:spTree>
@@ -8961,759 +10046,6 @@
               <a:latin typeface="Tahoma"/>
               <a:cs typeface="Tahoma"/>
             </a:endParaRPr>
-          </a:p>
-        </p:txBody>
-      </p:sp>
-    </p:spTree>
-  </p:cSld>
-  <p:clrMapOvr>
-    <a:masterClrMapping/>
-  </p:clrMapOvr>
-  <p:timing>
-    <p:tnLst>
-      <p:par>
-        <p:cTn id="1" dur="indefinite" restart="never" nodeType="tmRoot"/>
-      </p:par>
-    </p:tnLst>
-  </p:timing>
-</p:sld>
-</file>
-
-<file path=ppt/slides/slide3.xml><?xml version="1.0" encoding="utf-8"?>
-<p:sld xmlns:a="http://schemas.openxmlformats.org/drawingml/2006/main" xmlns:r="http://schemas.openxmlformats.org/officeDocument/2006/relationships" xmlns:p="http://schemas.openxmlformats.org/presentationml/2006/main">
-  <p:cSld>
-    <p:spTree>
-      <p:nvGrpSpPr>
-        <p:cNvPr id="1" name=""/>
-        <p:cNvGrpSpPr/>
-        <p:nvPr/>
-      </p:nvGrpSpPr>
-      <p:grpSpPr>
-        <a:xfrm>
-          <a:off x="0" y="0"/>
-          <a:ext cx="0" cy="0"/>
-          <a:chOff x="0" y="0"/>
-          <a:chExt cx="0" cy="0"/>
-        </a:xfrm>
-      </p:grpSpPr>
-      <p:sp>
-        <p:nvSpPr>
-          <p:cNvPr id="2" name="object 2"/>
-          <p:cNvSpPr txBox="1">
-            <a:spLocks noGrp="1"/>
-          </p:cNvSpPr>
-          <p:nvPr>
-            <p:ph type="title"/>
-          </p:nvPr>
-        </p:nvSpPr>
-        <p:spPr>
-          <a:prstGeom prst="rect">
-            <a:avLst/>
-          </a:prstGeom>
-        </p:spPr>
-        <p:txBody>
-          <a:bodyPr vert="horz" wrap="square" lIns="0" tIns="204088" rIns="0" bIns="0" rtlCol="0">
-            <a:spAutoFit/>
-          </a:bodyPr>
-          <a:lstStyle/>
-          <a:p>
-            <a:pPr marL="175895">
-              <a:lnSpc>
-                <a:spcPct val="100000"/>
-              </a:lnSpc>
-              <a:spcBef>
-                <a:spcPts val="95"/>
-              </a:spcBef>
-            </a:pPr>
-            <a:r>
-              <a:rPr sz="2800" spc="-10" dirty="0"/>
-              <a:t>Training</a:t>
-            </a:r>
-            <a:r>
-              <a:rPr sz="2800" spc="-180" dirty="0"/>
-              <a:t> </a:t>
-            </a:r>
-            <a:r>
-              <a:rPr sz="2800" spc="-10" dirty="0"/>
-              <a:t>Objectives</a:t>
-            </a:r>
-            <a:endParaRPr sz="2800"/>
-          </a:p>
-        </p:txBody>
-      </p:sp>
-      <p:sp>
-        <p:nvSpPr>
-          <p:cNvPr id="3" name="object 3"/>
-          <p:cNvSpPr txBox="1"/>
-          <p:nvPr/>
-        </p:nvSpPr>
-        <p:spPr>
-          <a:xfrm>
-            <a:off x="402742" y="1102308"/>
-            <a:ext cx="5986145" cy="331470"/>
-          </a:xfrm>
-          <a:prstGeom prst="rect">
-            <a:avLst/>
-          </a:prstGeom>
-        </p:spPr>
-        <p:txBody>
-          <a:bodyPr vert="horz" wrap="square" lIns="0" tIns="13335" rIns="0" bIns="0" rtlCol="0">
-            <a:spAutoFit/>
-          </a:bodyPr>
-          <a:lstStyle/>
-          <a:p>
-            <a:pPr marL="12700">
-              <a:lnSpc>
-                <a:spcPct val="100000"/>
-              </a:lnSpc>
-              <a:spcBef>
-                <a:spcPts val="105"/>
-              </a:spcBef>
-            </a:pPr>
-            <a:r>
-              <a:rPr sz="2000" b="1" dirty="0">
-                <a:solidFill>
-                  <a:srgbClr val="C00000"/>
-                </a:solidFill>
-                <a:latin typeface="Arial"/>
-                <a:cs typeface="Arial"/>
-              </a:rPr>
-              <a:t>After</a:t>
-            </a:r>
-            <a:r>
-              <a:rPr sz="2000" b="1" spc="-55" dirty="0">
-                <a:solidFill>
-                  <a:srgbClr val="C00000"/>
-                </a:solidFill>
-                <a:latin typeface="Arial"/>
-                <a:cs typeface="Arial"/>
-              </a:rPr>
-              <a:t> </a:t>
-            </a:r>
-            <a:r>
-              <a:rPr sz="2000" b="1" dirty="0">
-                <a:solidFill>
-                  <a:srgbClr val="C00000"/>
-                </a:solidFill>
-                <a:latin typeface="Arial"/>
-                <a:cs typeface="Arial"/>
-              </a:rPr>
-              <a:t>finalizing</a:t>
-            </a:r>
-            <a:r>
-              <a:rPr sz="2000" b="1" spc="-50" dirty="0">
-                <a:solidFill>
-                  <a:srgbClr val="C00000"/>
-                </a:solidFill>
-                <a:latin typeface="Arial"/>
-                <a:cs typeface="Arial"/>
-              </a:rPr>
-              <a:t> </a:t>
-            </a:r>
-            <a:r>
-              <a:rPr sz="2000" b="1" dirty="0">
-                <a:solidFill>
-                  <a:srgbClr val="C00000"/>
-                </a:solidFill>
-                <a:latin typeface="Arial"/>
-                <a:cs typeface="Arial"/>
-              </a:rPr>
-              <a:t>this</a:t>
-            </a:r>
-            <a:r>
-              <a:rPr sz="2000" b="1" spc="-40" dirty="0">
-                <a:solidFill>
-                  <a:srgbClr val="C00000"/>
-                </a:solidFill>
-                <a:latin typeface="Arial"/>
-                <a:cs typeface="Arial"/>
-              </a:rPr>
-              <a:t> </a:t>
-            </a:r>
-            <a:r>
-              <a:rPr sz="2000" b="1" dirty="0">
-                <a:solidFill>
-                  <a:srgbClr val="C00000"/>
-                </a:solidFill>
-                <a:latin typeface="Arial"/>
-                <a:cs typeface="Arial"/>
-              </a:rPr>
-              <a:t>training</a:t>
-            </a:r>
-            <a:r>
-              <a:rPr sz="2000" b="1" spc="-50" dirty="0">
-                <a:solidFill>
-                  <a:srgbClr val="C00000"/>
-                </a:solidFill>
-                <a:latin typeface="Arial"/>
-                <a:cs typeface="Arial"/>
-              </a:rPr>
-              <a:t> </a:t>
-            </a:r>
-            <a:r>
-              <a:rPr sz="2000" b="1" dirty="0">
-                <a:solidFill>
-                  <a:srgbClr val="C00000"/>
-                </a:solidFill>
-                <a:latin typeface="Arial"/>
-                <a:cs typeface="Arial"/>
-              </a:rPr>
-              <a:t>you</a:t>
-            </a:r>
-            <a:r>
-              <a:rPr sz="2000" b="1" spc="10" dirty="0">
-                <a:solidFill>
-                  <a:srgbClr val="C00000"/>
-                </a:solidFill>
-                <a:latin typeface="Arial"/>
-                <a:cs typeface="Arial"/>
-              </a:rPr>
-              <a:t> </a:t>
-            </a:r>
-            <a:r>
-              <a:rPr sz="2000" b="1" dirty="0">
-                <a:solidFill>
-                  <a:srgbClr val="C00000"/>
-                </a:solidFill>
-                <a:latin typeface="Arial"/>
-                <a:cs typeface="Arial"/>
-              </a:rPr>
-              <a:t>should</a:t>
-            </a:r>
-            <a:r>
-              <a:rPr sz="2000" b="1" spc="-35" dirty="0">
-                <a:solidFill>
-                  <a:srgbClr val="C00000"/>
-                </a:solidFill>
-                <a:latin typeface="Arial"/>
-                <a:cs typeface="Arial"/>
-              </a:rPr>
-              <a:t> </a:t>
-            </a:r>
-            <a:r>
-              <a:rPr sz="2000" b="1" dirty="0">
-                <a:solidFill>
-                  <a:srgbClr val="C00000"/>
-                </a:solidFill>
-                <a:latin typeface="Arial"/>
-                <a:cs typeface="Arial"/>
-              </a:rPr>
-              <a:t>be</a:t>
-            </a:r>
-            <a:r>
-              <a:rPr sz="2000" b="1" spc="-25" dirty="0">
-                <a:solidFill>
-                  <a:srgbClr val="C00000"/>
-                </a:solidFill>
-                <a:latin typeface="Arial"/>
-                <a:cs typeface="Arial"/>
-              </a:rPr>
-              <a:t> </a:t>
-            </a:r>
-            <a:r>
-              <a:rPr sz="2000" b="1" dirty="0">
-                <a:solidFill>
-                  <a:srgbClr val="C00000"/>
-                </a:solidFill>
-                <a:latin typeface="Arial"/>
-                <a:cs typeface="Arial"/>
-              </a:rPr>
-              <a:t>able</a:t>
-            </a:r>
-            <a:r>
-              <a:rPr sz="2000" b="1" spc="-35" dirty="0">
-                <a:solidFill>
-                  <a:srgbClr val="C00000"/>
-                </a:solidFill>
-                <a:latin typeface="Arial"/>
-                <a:cs typeface="Arial"/>
-              </a:rPr>
-              <a:t> </a:t>
-            </a:r>
-            <a:r>
-              <a:rPr sz="2000" b="1" spc="-25" dirty="0">
-                <a:solidFill>
-                  <a:srgbClr val="C00000"/>
-                </a:solidFill>
-                <a:latin typeface="Arial"/>
-                <a:cs typeface="Arial"/>
-              </a:rPr>
-              <a:t>to</a:t>
-            </a:r>
-            <a:endParaRPr sz="2000" dirty="0">
-              <a:latin typeface="Arial"/>
-              <a:cs typeface="Arial"/>
-            </a:endParaRPr>
-          </a:p>
-        </p:txBody>
-      </p:sp>
-      <p:sp>
-        <p:nvSpPr>
-          <p:cNvPr id="4" name="object 4"/>
-          <p:cNvSpPr txBox="1"/>
-          <p:nvPr/>
-        </p:nvSpPr>
-        <p:spPr>
-          <a:xfrm>
-            <a:off x="380623" y="1805202"/>
-            <a:ext cx="10896977" cy="3525965"/>
-          </a:xfrm>
-          <a:prstGeom prst="rect">
-            <a:avLst/>
-          </a:prstGeom>
-        </p:spPr>
-        <p:txBody>
-          <a:bodyPr vert="horz" wrap="square" lIns="0" tIns="12065" rIns="0" bIns="0" rtlCol="0">
-            <a:spAutoFit/>
-          </a:bodyPr>
-          <a:lstStyle/>
-          <a:p>
-            <a:pPr marL="354965" indent="-342265">
-              <a:lnSpc>
-                <a:spcPct val="100000"/>
-              </a:lnSpc>
-              <a:spcBef>
-                <a:spcPts val="95"/>
-              </a:spcBef>
-              <a:buFont typeface="Wingdings"/>
-              <a:buChar char=""/>
-              <a:tabLst>
-                <a:tab pos="354965" algn="l"/>
-              </a:tabLst>
-            </a:pPr>
-            <a:r>
-              <a:rPr lang="en-US" sz="2000" b="1" dirty="0">
-                <a:solidFill>
-                  <a:srgbClr val="00B050"/>
-                </a:solidFill>
-                <a:latin typeface="Calibri"/>
-                <a:cs typeface="Calibri"/>
-              </a:rPr>
-              <a:t>Computer Hardware</a:t>
-            </a:r>
-            <a:r>
-              <a:rPr lang="en-US" sz="2000" dirty="0">
-                <a:solidFill>
-                  <a:srgbClr val="00B050"/>
-                </a:solidFill>
-                <a:latin typeface="Calibri"/>
-                <a:cs typeface="Calibri"/>
-              </a:rPr>
-              <a:t>: Identify components, connect peripherals, and perform basic troubleshooting.</a:t>
-            </a:r>
-          </a:p>
-          <a:p>
-            <a:pPr marL="354965" indent="-342265">
-              <a:lnSpc>
-                <a:spcPct val="100000"/>
-              </a:lnSpc>
-              <a:spcBef>
-                <a:spcPts val="95"/>
-              </a:spcBef>
-              <a:buFont typeface="Wingdings"/>
-              <a:buChar char=""/>
-              <a:tabLst>
-                <a:tab pos="354965" algn="l"/>
-              </a:tabLst>
-            </a:pPr>
-            <a:r>
-              <a:rPr lang="en-US" sz="2000" b="1" dirty="0">
-                <a:solidFill>
-                  <a:srgbClr val="2D5395"/>
-                </a:solidFill>
-                <a:latin typeface="Calibri"/>
-                <a:cs typeface="Calibri"/>
-              </a:rPr>
-              <a:t>Excel</a:t>
-            </a:r>
-            <a:r>
-              <a:rPr lang="en-US" sz="2000" dirty="0">
-                <a:solidFill>
-                  <a:srgbClr val="2D5395"/>
-                </a:solidFill>
-                <a:latin typeface="Calibri"/>
-                <a:cs typeface="Calibri"/>
-              </a:rPr>
-              <a:t>: Use essential formulas, sort/filter data, and create basic charts.</a:t>
-            </a:r>
-          </a:p>
-          <a:p>
-            <a:pPr marL="354965" indent="-342265">
-              <a:lnSpc>
-                <a:spcPct val="100000"/>
-              </a:lnSpc>
-              <a:spcBef>
-                <a:spcPts val="95"/>
-              </a:spcBef>
-              <a:buFont typeface="Wingdings"/>
-              <a:buChar char=""/>
-              <a:tabLst>
-                <a:tab pos="354965" algn="l"/>
-              </a:tabLst>
-            </a:pPr>
-            <a:r>
-              <a:rPr lang="en-US" sz="2000" b="1" dirty="0">
-                <a:solidFill>
-                  <a:srgbClr val="2D5395"/>
-                </a:solidFill>
-                <a:latin typeface="Calibri"/>
-                <a:cs typeface="Calibri"/>
-              </a:rPr>
-              <a:t>PowerPoint</a:t>
-            </a:r>
-            <a:r>
-              <a:rPr lang="en-US" sz="2000" dirty="0">
-                <a:solidFill>
-                  <a:srgbClr val="2D5395"/>
-                </a:solidFill>
-                <a:latin typeface="Calibri"/>
-                <a:cs typeface="Calibri"/>
-              </a:rPr>
-              <a:t>: Create clean, professional slides and insert objects (images, charts).</a:t>
-            </a:r>
-          </a:p>
-          <a:p>
-            <a:pPr marL="354965" indent="-342265">
-              <a:lnSpc>
-                <a:spcPct val="100000"/>
-              </a:lnSpc>
-              <a:spcBef>
-                <a:spcPts val="95"/>
-              </a:spcBef>
-              <a:buFont typeface="Wingdings"/>
-              <a:buChar char=""/>
-              <a:tabLst>
-                <a:tab pos="354965" algn="l"/>
-              </a:tabLst>
-            </a:pPr>
-            <a:r>
-              <a:rPr lang="en-US" sz="2000" b="1" dirty="0">
-                <a:solidFill>
-                  <a:srgbClr val="2D5395"/>
-                </a:solidFill>
-                <a:latin typeface="Calibri"/>
-                <a:cs typeface="Calibri"/>
-              </a:rPr>
-              <a:t>Word</a:t>
-            </a:r>
-            <a:r>
-              <a:rPr lang="en-US" sz="2000" dirty="0">
-                <a:solidFill>
-                  <a:srgbClr val="2D5395"/>
-                </a:solidFill>
-                <a:latin typeface="Calibri"/>
-                <a:cs typeface="Calibri"/>
-              </a:rPr>
-              <a:t>: Apply consistent formatting (styles, headers) and use Track Changes.</a:t>
-            </a:r>
-          </a:p>
-          <a:p>
-            <a:pPr marL="354965" indent="-342265">
-              <a:lnSpc>
-                <a:spcPct val="100000"/>
-              </a:lnSpc>
-              <a:spcBef>
-                <a:spcPts val="95"/>
-              </a:spcBef>
-              <a:buFont typeface="Wingdings"/>
-              <a:buChar char=""/>
-              <a:tabLst>
-                <a:tab pos="354965" algn="l"/>
-              </a:tabLst>
-            </a:pPr>
-            <a:r>
-              <a:rPr lang="en-US" sz="2000" b="1" dirty="0">
-                <a:solidFill>
-                  <a:srgbClr val="00B050"/>
-                </a:solidFill>
-                <a:latin typeface="Calibri"/>
-                <a:cs typeface="Calibri"/>
-              </a:rPr>
-              <a:t>Outlook</a:t>
-            </a:r>
-            <a:r>
-              <a:rPr lang="en-US" sz="2000" dirty="0">
-                <a:solidFill>
-                  <a:srgbClr val="00B050"/>
-                </a:solidFill>
-                <a:latin typeface="Calibri"/>
-                <a:cs typeface="Calibri"/>
-              </a:rPr>
-              <a:t>: Write professional emails, organize their inbox, and manage their calendar.</a:t>
-            </a:r>
-          </a:p>
-          <a:p>
-            <a:pPr marL="354965" indent="-342265">
-              <a:lnSpc>
-                <a:spcPct val="100000"/>
-              </a:lnSpc>
-              <a:spcBef>
-                <a:spcPts val="95"/>
-              </a:spcBef>
-              <a:buFont typeface="Wingdings"/>
-              <a:buChar char=""/>
-              <a:tabLst>
-                <a:tab pos="354965" algn="l"/>
-              </a:tabLst>
-            </a:pPr>
-            <a:r>
-              <a:rPr lang="en-US" sz="2000" b="1" dirty="0">
-                <a:solidFill>
-                  <a:srgbClr val="585858"/>
-                </a:solidFill>
-                <a:latin typeface="Calibri"/>
-                <a:cs typeface="Calibri"/>
-              </a:rPr>
-              <a:t>ERP</a:t>
-            </a:r>
-            <a:r>
-              <a:rPr lang="en-US" sz="2000" dirty="0">
-                <a:solidFill>
-                  <a:srgbClr val="585858"/>
-                </a:solidFill>
-                <a:latin typeface="Calibri"/>
-                <a:cs typeface="Calibri"/>
-              </a:rPr>
-              <a:t>: Define what an ERP system is and explain its purpose in the business.</a:t>
-            </a:r>
-          </a:p>
-          <a:p>
-            <a:pPr marL="354965" indent="-342265">
-              <a:lnSpc>
-                <a:spcPct val="100000"/>
-              </a:lnSpc>
-              <a:spcBef>
-                <a:spcPts val="95"/>
-              </a:spcBef>
-              <a:buFont typeface="Wingdings"/>
-              <a:buChar char=""/>
-              <a:tabLst>
-                <a:tab pos="354965" algn="l"/>
-              </a:tabLst>
-            </a:pPr>
-            <a:r>
-              <a:rPr lang="en-US" sz="2000" b="1" dirty="0">
-                <a:solidFill>
-                  <a:srgbClr val="00B050"/>
-                </a:solidFill>
-                <a:latin typeface="Calibri"/>
-                <a:cs typeface="Calibri"/>
-              </a:rPr>
-              <a:t>Workplace Etiquette</a:t>
-            </a:r>
-            <a:r>
-              <a:rPr lang="en-US" sz="2000" dirty="0">
-                <a:solidFill>
-                  <a:srgbClr val="00B050"/>
-                </a:solidFill>
-                <a:latin typeface="Calibri"/>
-                <a:cs typeface="Calibri"/>
-              </a:rPr>
-              <a:t>: Demonstrate professional conduct in physical and virtual settings.</a:t>
-            </a:r>
-          </a:p>
-          <a:p>
-            <a:pPr marL="354965" indent="-342265">
-              <a:lnSpc>
-                <a:spcPct val="100000"/>
-              </a:lnSpc>
-              <a:spcBef>
-                <a:spcPts val="95"/>
-              </a:spcBef>
-              <a:buFont typeface="Wingdings"/>
-              <a:buChar char=""/>
-              <a:tabLst>
-                <a:tab pos="354965" algn="l"/>
-              </a:tabLst>
-            </a:pPr>
-            <a:r>
-              <a:rPr lang="en-US" sz="2000" b="1" dirty="0">
-                <a:solidFill>
-                  <a:srgbClr val="00B050"/>
-                </a:solidFill>
-                <a:latin typeface="Calibri"/>
-                <a:cs typeface="Calibri"/>
-              </a:rPr>
-              <a:t>Communication</a:t>
-            </a:r>
-            <a:r>
-              <a:rPr lang="en-US" sz="2000" dirty="0">
-                <a:solidFill>
-                  <a:srgbClr val="00B050"/>
-                </a:solidFill>
-                <a:latin typeface="Calibri"/>
-                <a:cs typeface="Calibri"/>
-              </a:rPr>
-              <a:t>: Practice active listening and communicate ideas clearly.</a:t>
-            </a:r>
-          </a:p>
-          <a:p>
-            <a:pPr marL="354965" indent="-342265">
-              <a:lnSpc>
-                <a:spcPct val="100000"/>
-              </a:lnSpc>
-              <a:spcBef>
-                <a:spcPts val="95"/>
-              </a:spcBef>
-              <a:buFont typeface="Wingdings"/>
-              <a:buChar char=""/>
-              <a:tabLst>
-                <a:tab pos="354965" algn="l"/>
-              </a:tabLst>
-            </a:pPr>
-            <a:r>
-              <a:rPr lang="en-US" sz="2000" b="1" dirty="0">
-                <a:solidFill>
-                  <a:srgbClr val="00B050"/>
-                </a:solidFill>
-                <a:latin typeface="Calibri"/>
-                <a:cs typeface="Calibri"/>
-              </a:rPr>
-              <a:t>Professional Ethics</a:t>
-            </a:r>
-            <a:r>
-              <a:rPr lang="en-US" sz="2000" dirty="0">
-                <a:solidFill>
-                  <a:srgbClr val="00B050"/>
-                </a:solidFill>
-                <a:latin typeface="Calibri"/>
-                <a:cs typeface="Calibri"/>
-              </a:rPr>
-              <a:t>: Understand the importance of integrity, confidentiality, and accountability.</a:t>
-            </a:r>
-          </a:p>
-          <a:p>
-            <a:pPr marL="354965" indent="-342265">
-              <a:lnSpc>
-                <a:spcPct val="100000"/>
-              </a:lnSpc>
-              <a:spcBef>
-                <a:spcPts val="95"/>
-              </a:spcBef>
-              <a:buFont typeface="Wingdings"/>
-              <a:buChar char=""/>
-              <a:tabLst>
-                <a:tab pos="354965" algn="l"/>
-              </a:tabLst>
-            </a:pPr>
-            <a:r>
-              <a:rPr lang="en-US" sz="2000" b="1" dirty="0">
-                <a:solidFill>
-                  <a:srgbClr val="2D5395"/>
-                </a:solidFill>
-                <a:latin typeface="Calibri"/>
-                <a:cs typeface="Calibri"/>
-              </a:rPr>
-              <a:t>Time Management</a:t>
-            </a:r>
-            <a:r>
-              <a:rPr lang="en-US" sz="2000" dirty="0">
-                <a:solidFill>
-                  <a:srgbClr val="2D5395"/>
-                </a:solidFill>
-                <a:latin typeface="Calibri"/>
-                <a:cs typeface="Calibri"/>
-              </a:rPr>
-              <a:t>: Prioritize tasks effectively and plan their workday.</a:t>
-            </a:r>
-          </a:p>
-          <a:p>
-            <a:pPr marL="354965" indent="-342265">
-              <a:lnSpc>
-                <a:spcPct val="100000"/>
-              </a:lnSpc>
-              <a:spcBef>
-                <a:spcPts val="95"/>
-              </a:spcBef>
-              <a:buFont typeface="Wingdings"/>
-              <a:buChar char=""/>
-              <a:tabLst>
-                <a:tab pos="354965" algn="l"/>
-              </a:tabLst>
-            </a:pPr>
-            <a:r>
-              <a:rPr lang="en-US" sz="2000" b="1" dirty="0">
-                <a:solidFill>
-                  <a:srgbClr val="585858"/>
-                </a:solidFill>
-                <a:latin typeface="Calibri"/>
-                <a:cs typeface="Calibri"/>
-              </a:rPr>
-              <a:t>Problem Solving</a:t>
-            </a:r>
-            <a:r>
-              <a:rPr lang="en-US" sz="2000" dirty="0">
-                <a:solidFill>
-                  <a:srgbClr val="585858"/>
-                </a:solidFill>
-                <a:latin typeface="Calibri"/>
-                <a:cs typeface="Calibri"/>
-              </a:rPr>
-              <a:t>: Apply a structured approach to identify and solve workplace problems.</a:t>
-            </a:r>
-            <a:endParaRPr sz="2000" dirty="0">
-              <a:solidFill>
-                <a:srgbClr val="585858"/>
-              </a:solidFill>
-              <a:latin typeface="Calibri"/>
-              <a:cs typeface="Calibri"/>
-            </a:endParaRPr>
-          </a:p>
-        </p:txBody>
-      </p:sp>
-      <p:pic>
-        <p:nvPicPr>
-          <p:cNvPr id="5" name="object 5"/>
-          <p:cNvPicPr/>
-          <p:nvPr/>
-        </p:nvPicPr>
-        <p:blipFill>
-          <a:blip r:embed="rId2" cstate="print"/>
-          <a:stretch>
-            <a:fillRect/>
-          </a:stretch>
-        </p:blipFill>
-        <p:spPr>
-          <a:xfrm>
-            <a:off x="9601200" y="2286000"/>
-            <a:ext cx="2410147" cy="1581150"/>
-          </a:xfrm>
-          <a:prstGeom prst="rect">
-            <a:avLst/>
-          </a:prstGeom>
-        </p:spPr>
-      </p:pic>
-      <p:sp>
-        <p:nvSpPr>
-          <p:cNvPr id="6" name="object 6"/>
-          <p:cNvSpPr txBox="1">
-            <a:spLocks noGrp="1"/>
-          </p:cNvSpPr>
-          <p:nvPr>
-            <p:ph type="sldNum" sz="quarter" idx="7"/>
-          </p:nvPr>
-        </p:nvSpPr>
-        <p:spPr>
-          <a:prstGeom prst="rect">
-            <a:avLst/>
-          </a:prstGeom>
-        </p:spPr>
-        <p:txBody>
-          <a:bodyPr vert="horz" wrap="square" lIns="0" tIns="0" rIns="0" bIns="0" rtlCol="0">
-            <a:spAutoFit/>
-          </a:bodyPr>
-          <a:lstStyle/>
-          <a:p>
-            <a:pPr marL="38100">
-              <a:lnSpc>
-                <a:spcPts val="1310"/>
-              </a:lnSpc>
-            </a:pPr>
-            <a:fld id="{81D60167-4931-47E6-BA6A-407CBD079E47}" type="slidenum">
-              <a:rPr spc="-25" dirty="0"/>
-              <a:t>3</a:t>
-            </a:fld>
-            <a:endParaRPr spc="-25" dirty="0"/>
           </a:p>
         </p:txBody>
       </p:sp>
